--- a/Python summer camp-section2.pptx
+++ b/Python summer camp-section2.pptx
@@ -5,7 +5,7 @@
     <p:sldMasterId id="2147483648" r:id="rId1"/>
   </p:sldMasterIdLst>
   <p:notesMasterIdLst>
-    <p:notesMasterId r:id="rId33"/>
+    <p:notesMasterId r:id="rId34"/>
   </p:notesMasterIdLst>
   <p:sldIdLst>
     <p:sldId id="256" r:id="rId2"/>
@@ -39,6 +39,7 @@
     <p:sldId id="290" r:id="rId30"/>
     <p:sldId id="289" r:id="rId31"/>
     <p:sldId id="291" r:id="rId32"/>
+    <p:sldId id="292" r:id="rId33"/>
   </p:sldIdLst>
   <p:sldSz cx="12192000" cy="6858000"/>
   <p:notesSz cx="6858000" cy="9144000"/>
@@ -177,6 +178,7 @@
             <p14:sldId id="290"/>
             <p14:sldId id="289"/>
             <p14:sldId id="291"/>
+            <p14:sldId id="292"/>
           </p14:sldIdLst>
         </p14:section>
       </p14:sectionLst>
@@ -8172,7 +8174,12 @@
             <p:ph type="title"/>
           </p:nvPr>
         </p:nvSpPr>
-        <p:spPr/>
+        <p:spPr>
+          <a:xfrm>
+            <a:off x="688571" y="217429"/>
+            <a:ext cx="10515600" cy="1325563"/>
+          </a:xfrm>
+        </p:spPr>
         <p:txBody>
           <a:bodyPr/>
           <a:lstStyle/>
@@ -8181,7 +8188,7 @@
               <a:rPr lang="en-US" dirty="0">
                 <a:latin typeface="Agency FB" panose="020B0503020202020204" pitchFamily="34" charset="0"/>
               </a:rPr>
-              <a:t>Recap: 9 big idea we learned so far</a:t>
+              <a:t>Recap: 12 big ideas we learned so far</a:t>
             </a:r>
           </a:p>
         </p:txBody>
@@ -8202,10 +8209,15 @@
             <p:ph idx="1"/>
           </p:nvPr>
         </p:nvSpPr>
-        <p:spPr/>
+        <p:spPr>
+          <a:xfrm>
+            <a:off x="838200" y="1542992"/>
+            <a:ext cx="10515600" cy="4351338"/>
+          </a:xfrm>
+        </p:spPr>
         <p:txBody>
           <a:bodyPr>
-            <a:normAutofit fontScale="92500" lnSpcReduction="20000"/>
+            <a:normAutofit fontScale="77500" lnSpcReduction="20000"/>
           </a:bodyPr>
           <a:lstStyle/>
           <a:p>
@@ -8312,6 +8324,55 @@
             </a:r>
           </a:p>
           <a:p>
+            <a:r>
+              <a:rPr lang="en-US" dirty="0">
+                <a:solidFill>
+                  <a:schemeClr val="accent4">
+                    <a:lumMod val="75000"/>
+                  </a:schemeClr>
+                </a:solidFill>
+                <a:latin typeface="Agency FB" panose="020B0503020202020204" pitchFamily="34" charset="0"/>
+              </a:rPr>
+              <a:t>Storing data in lists</a:t>
+            </a:r>
+          </a:p>
+          <a:p>
+            <a:r>
+              <a:rPr lang="en-US" dirty="0">
+                <a:solidFill>
+                  <a:schemeClr val="accent1">
+                    <a:lumMod val="60000"/>
+                    <a:lumOff val="40000"/>
+                  </a:schemeClr>
+                </a:solidFill>
+                <a:latin typeface="Agency FB" panose="020B0503020202020204" pitchFamily="34" charset="0"/>
+              </a:rPr>
+              <a:t>Computers understand true and False</a:t>
+            </a:r>
+          </a:p>
+          <a:p>
+            <a:r>
+              <a:rPr lang="en-US" dirty="0">
+                <a:solidFill>
+                  <a:srgbClr val="FFC000"/>
+                </a:solidFill>
+                <a:latin typeface="Agency FB" panose="020B0503020202020204" pitchFamily="34" charset="0"/>
+              </a:rPr>
+              <a:t>Computers can combine True and False</a:t>
+            </a:r>
+          </a:p>
+          <a:p>
+            <a:r>
+              <a:rPr lang="en-US" dirty="0">
+                <a:solidFill>
+                  <a:srgbClr val="FF0000"/>
+                </a:solidFill>
+                <a:latin typeface="Agency FB" panose="020B0503020202020204" pitchFamily="34" charset="0"/>
+              </a:rPr>
+              <a:t>Code based on conditions</a:t>
+            </a:r>
+          </a:p>
+          <a:p>
             <a:endParaRPr lang="en-US" dirty="0">
               <a:solidFill>
                 <a:srgbClr val="FF0000"/>
@@ -8320,17 +8381,42 @@
             </a:endParaRPr>
           </a:p>
           <a:p>
-            <a:r>
-              <a:rPr lang="en-US" dirty="0">
-                <a:solidFill>
-                  <a:schemeClr val="accent4">
-                    <a:lumMod val="75000"/>
-                  </a:schemeClr>
-                </a:solidFill>
-                <a:latin typeface="Agency FB" panose="020B0503020202020204" pitchFamily="34" charset="0"/>
-              </a:rPr>
-              <a:t>Storing data in lists</a:t>
-            </a:r>
+            <a:endParaRPr lang="en-US" dirty="0">
+              <a:solidFill>
+                <a:srgbClr val="FF0000"/>
+              </a:solidFill>
+              <a:latin typeface="Agency FB" panose="020B0503020202020204" pitchFamily="34" charset="0"/>
+            </a:endParaRPr>
+          </a:p>
+          <a:p>
+            <a:endParaRPr lang="en-US" dirty="0">
+              <a:solidFill>
+                <a:schemeClr val="accent4">
+                  <a:lumMod val="75000"/>
+                </a:schemeClr>
+              </a:solidFill>
+              <a:latin typeface="Agency FB" panose="020B0503020202020204" pitchFamily="34" charset="0"/>
+            </a:endParaRPr>
+          </a:p>
+          <a:p>
+            <a:endParaRPr lang="en-US" dirty="0">
+              <a:solidFill>
+                <a:schemeClr val="accent4">
+                  <a:lumMod val="75000"/>
+                </a:schemeClr>
+              </a:solidFill>
+              <a:latin typeface="Agency FB" panose="020B0503020202020204" pitchFamily="34" charset="0"/>
+            </a:endParaRPr>
+          </a:p>
+          <a:p>
+            <a:endParaRPr lang="en-US" dirty="0">
+              <a:solidFill>
+                <a:schemeClr val="accent4">
+                  <a:lumMod val="75000"/>
+                </a:schemeClr>
+              </a:solidFill>
+              <a:latin typeface="Agency FB" panose="020B0503020202020204" pitchFamily="34" charset="0"/>
+            </a:endParaRPr>
           </a:p>
           <a:p>
             <a:endParaRPr lang="en-US" dirty="0">
@@ -9781,12 +9867,12 @@
           <a:lstStyle/>
           <a:p>
             <a:r>
-              <a:rPr lang="en" sz="2000">
+              <a:rPr lang="en" sz="2000" dirty="0">
                 <a:latin typeface="Agency FB" panose="020B0503020202020204" pitchFamily="34" charset="0"/>
               </a:rPr>
               <a:t>Not” Operator</a:t>
             </a:r>
-            <a:endParaRPr sz="2000">
+            <a:endParaRPr sz="2000" dirty="0">
               <a:latin typeface="Agency FB" panose="020B0503020202020204" pitchFamily="34" charset="0"/>
             </a:endParaRPr>
           </a:p>
@@ -11207,7 +11293,7 @@
         </p:nvSpPr>
         <p:spPr>
           <a:xfrm>
-            <a:off x="5942200" y="1286967"/>
+            <a:off x="5201300" y="817900"/>
             <a:ext cx="1999200" cy="1062400"/>
           </a:xfrm>
           <a:prstGeom prst="rect">
@@ -11246,7 +11332,7 @@
         </p:nvSpPr>
         <p:spPr>
           <a:xfrm>
-            <a:off x="5942200" y="2576367"/>
+            <a:off x="5201300" y="2107300"/>
             <a:ext cx="1999200" cy="1062400"/>
           </a:xfrm>
           <a:prstGeom prst="rect">
@@ -11285,7 +11371,7 @@
         </p:nvSpPr>
         <p:spPr>
           <a:xfrm>
-            <a:off x="5942200" y="4060817"/>
+            <a:off x="5201300" y="3591750"/>
             <a:ext cx="1999200" cy="1062400"/>
           </a:xfrm>
           <a:prstGeom prst="rect">
@@ -11324,7 +11410,7 @@
         </p:nvSpPr>
         <p:spPr>
           <a:xfrm>
-            <a:off x="5942200" y="5650033"/>
+            <a:off x="5201300" y="5180966"/>
             <a:ext cx="1999200" cy="1062400"/>
           </a:xfrm>
           <a:prstGeom prst="rect">
@@ -11363,7 +11449,7 @@
         </p:nvSpPr>
         <p:spPr>
           <a:xfrm>
-            <a:off x="9355600" y="4516433"/>
+            <a:off x="8614700" y="4047366"/>
             <a:ext cx="1999200" cy="1062400"/>
           </a:xfrm>
           <a:prstGeom prst="rect">
@@ -11402,7 +11488,7 @@
         </p:nvSpPr>
         <p:spPr>
           <a:xfrm>
-            <a:off x="9355600" y="5795600"/>
+            <a:off x="8614700" y="5326533"/>
             <a:ext cx="1999200" cy="1062400"/>
           </a:xfrm>
           <a:prstGeom prst="rect">
@@ -11441,7 +11527,7 @@
         </p:nvSpPr>
         <p:spPr>
           <a:xfrm>
-            <a:off x="6613300" y="2279667"/>
+            <a:off x="5872400" y="1810600"/>
             <a:ext cx="587200" cy="618800"/>
           </a:xfrm>
           <a:prstGeom prst="downArrow">
@@ -11483,7 +11569,7 @@
         </p:nvSpPr>
         <p:spPr>
           <a:xfrm>
-            <a:off x="6613300" y="3768200"/>
+            <a:off x="5872400" y="3299133"/>
             <a:ext cx="587200" cy="618800"/>
           </a:xfrm>
           <a:prstGeom prst="downArrow">
@@ -11525,7 +11611,7 @@
         </p:nvSpPr>
         <p:spPr>
           <a:xfrm>
-            <a:off x="6613300" y="5031217"/>
+            <a:off x="5872400" y="4562150"/>
             <a:ext cx="587200" cy="618800"/>
           </a:xfrm>
           <a:prstGeom prst="downArrow">
@@ -11567,7 +11653,7 @@
         </p:nvSpPr>
         <p:spPr>
           <a:xfrm rot="-5400000">
-            <a:off x="8354900" y="4738233"/>
+            <a:off x="7614000" y="4269166"/>
             <a:ext cx="587200" cy="618800"/>
           </a:xfrm>
           <a:prstGeom prst="downArrow">
@@ -11609,7 +11695,7 @@
         </p:nvSpPr>
         <p:spPr>
           <a:xfrm>
-            <a:off x="9998733" y="5426467"/>
+            <a:off x="9257833" y="4957400"/>
             <a:ext cx="587200" cy="618800"/>
           </a:xfrm>
           <a:prstGeom prst="downArrow">
@@ -11651,7 +11737,7 @@
         </p:nvSpPr>
         <p:spPr>
           <a:xfrm rot="-5400000">
-            <a:off x="8354900" y="6017400"/>
+            <a:off x="7614000" y="5548333"/>
             <a:ext cx="587200" cy="618800"/>
           </a:xfrm>
           <a:prstGeom prst="downArrow">
@@ -11693,7 +11779,7 @@
         </p:nvSpPr>
         <p:spPr>
           <a:xfrm>
-            <a:off x="5942200" y="1286967"/>
+            <a:off x="5201300" y="817900"/>
             <a:ext cx="1999200" cy="1062400"/>
           </a:xfrm>
           <a:prstGeom prst="rect">
@@ -11717,7 +11803,25 @@
                 <a:cs typeface="Lato"/>
                 <a:sym typeface="Lato"/>
               </a:rPr>
-              <a:t>Set “x” to be any number entered by a user</a:t>
+              <a:t>Set “x” to be any </a:t>
+            </a:r>
+            <a:r>
+              <a:rPr lang="en-US" sz="2000" dirty="0">
+                <a:latin typeface="Agency FB" panose="020B0503020202020204" pitchFamily="34" charset="0"/>
+                <a:ea typeface="Lato"/>
+                <a:cs typeface="Lato"/>
+                <a:sym typeface="Lato"/>
+              </a:rPr>
+              <a:t>v</a:t>
+            </a:r>
+            <a:r>
+              <a:rPr lang="en" sz="2000" dirty="0">
+                <a:latin typeface="Agency FB" panose="020B0503020202020204" pitchFamily="34" charset="0"/>
+                <a:ea typeface="Lato"/>
+                <a:cs typeface="Lato"/>
+                <a:sym typeface="Lato"/>
+              </a:rPr>
+              <a:t>number entered by a user</a:t>
             </a:r>
             <a:endParaRPr sz="2000" dirty="0">
               <a:latin typeface="Agency FB" panose="020B0503020202020204" pitchFamily="34" charset="0"/>
@@ -11736,7 +11840,7 @@
         </p:nvSpPr>
         <p:spPr>
           <a:xfrm>
-            <a:off x="5942200" y="2576367"/>
+            <a:off x="5201300" y="2107300"/>
             <a:ext cx="1999200" cy="1062400"/>
           </a:xfrm>
           <a:prstGeom prst="rect">
@@ -11779,7 +11883,7 @@
         </p:nvSpPr>
         <p:spPr>
           <a:xfrm>
-            <a:off x="5942200" y="4298417"/>
+            <a:off x="5201300" y="3829350"/>
             <a:ext cx="1999200" cy="587200"/>
           </a:xfrm>
           <a:prstGeom prst="rect">
@@ -11822,7 +11926,7 @@
         </p:nvSpPr>
         <p:spPr>
           <a:xfrm>
-            <a:off x="8050300" y="4202633"/>
+            <a:off x="7309400" y="3733566"/>
             <a:ext cx="1196400" cy="489200"/>
           </a:xfrm>
           <a:prstGeom prst="rect">
@@ -11920,7 +12024,7 @@
         </p:nvSpPr>
         <p:spPr>
           <a:xfrm>
-            <a:off x="5942200" y="5650033"/>
+            <a:off x="5201300" y="5180966"/>
             <a:ext cx="1999200" cy="1062400"/>
           </a:xfrm>
           <a:prstGeom prst="rect">
@@ -11963,7 +12067,7 @@
         </p:nvSpPr>
         <p:spPr>
           <a:xfrm>
-            <a:off x="9355600" y="4516433"/>
+            <a:off x="8614700" y="4047366"/>
             <a:ext cx="1999200" cy="1062400"/>
           </a:xfrm>
           <a:prstGeom prst="rect">
@@ -12006,7 +12110,7 @@
         </p:nvSpPr>
         <p:spPr>
           <a:xfrm>
-            <a:off x="9467467" y="6131167"/>
+            <a:off x="8726567" y="5662100"/>
             <a:ext cx="1999200" cy="1062400"/>
           </a:xfrm>
           <a:prstGeom prst="rect">
@@ -12053,7 +12157,7 @@
         </p:nvSpPr>
         <p:spPr>
           <a:xfrm>
-            <a:off x="719167" y="2898467"/>
+            <a:off x="188100" y="1878516"/>
             <a:ext cx="5013200" cy="1565200"/>
           </a:xfrm>
           <a:prstGeom prst="rect">
@@ -12075,6 +12179,41 @@
             <a:endParaRPr sz="2000">
               <a:latin typeface="Agency FB" panose="020B0503020202020204" pitchFamily="34" charset="0"/>
             </a:endParaRPr>
+          </a:p>
+        </p:txBody>
+      </p:sp>
+      <p:sp>
+        <p:nvSpPr>
+          <p:cNvPr id="14" name="TextBox 13">
+            <a:extLst>
+              <a:ext uri="{FF2B5EF4-FFF2-40B4-BE49-F238E27FC236}">
+                <a16:creationId xmlns:a16="http://schemas.microsoft.com/office/drawing/2014/main" id="{39517B6D-5B32-48EA-8885-FF0C490E02B7}"/>
+              </a:ext>
+            </a:extLst>
+          </p:cNvPr>
+          <p:cNvSpPr txBox="1"/>
+          <p:nvPr/>
+        </p:nvSpPr>
+        <p:spPr>
+          <a:xfrm>
+            <a:off x="7473142" y="2227811"/>
+            <a:ext cx="1999200" cy="369332"/>
+          </a:xfrm>
+          <a:prstGeom prst="rect">
+            <a:avLst/>
+          </a:prstGeom>
+          <a:noFill/>
+        </p:spPr>
+        <p:txBody>
+          <a:bodyPr wrap="square" rtlCol="0">
+            <a:spAutoFit/>
+          </a:bodyPr>
+          <a:lstStyle/>
+          <a:p>
+            <a:r>
+              <a:rPr lang="en-US" dirty="0"/>
+              <a:t>R=x%2</a:t>
+            </a:r>
           </a:p>
         </p:txBody>
       </p:sp>
@@ -12105,58 +12244,1906 @@
       </p:grpSpPr>
       <p:sp>
         <p:nvSpPr>
-          <p:cNvPr id="2" name="Title 1">
-            <a:extLst>
-              <a:ext uri="{FF2B5EF4-FFF2-40B4-BE49-F238E27FC236}">
-                <a16:creationId xmlns:a16="http://schemas.microsoft.com/office/drawing/2014/main" id="{CE06BA90-DEA5-4320-B71C-BE3DC5D409A9}"/>
-              </a:ext>
-            </a:extLst>
-          </p:cNvPr>
-          <p:cNvSpPr>
-            <a:spLocks noGrp="1"/>
-          </p:cNvSpPr>
-          <p:nvPr>
-            <p:ph type="title"/>
-          </p:nvPr>
-        </p:nvSpPr>
-        <p:spPr/>
-        <p:txBody>
-          <a:bodyPr/>
-          <a:lstStyle/>
-          <a:p>
-            <a:endParaRPr lang="en-US"/>
-          </a:p>
-        </p:txBody>
-      </p:sp>
-      <p:sp>
-        <p:nvSpPr>
-          <p:cNvPr id="3" name="Text Placeholder 2">
-            <a:extLst>
-              <a:ext uri="{FF2B5EF4-FFF2-40B4-BE49-F238E27FC236}">
-                <a16:creationId xmlns:a16="http://schemas.microsoft.com/office/drawing/2014/main" id="{608DA76D-D4BB-43FC-96EF-DDC6A673188F}"/>
-              </a:ext>
-            </a:extLst>
-          </p:cNvPr>
-          <p:cNvSpPr>
-            <a:spLocks noGrp="1"/>
-          </p:cNvSpPr>
-          <p:nvPr>
-            <p:ph type="body" idx="1"/>
-          </p:nvPr>
-        </p:nvSpPr>
-        <p:spPr/>
-        <p:txBody>
-          <a:bodyPr/>
-          <a:lstStyle/>
-          <a:p>
-            <a:endParaRPr lang="en-US"/>
+          <p:cNvPr id="4" name="TextBox 3">
+            <a:extLst>
+              <a:ext uri="{FF2B5EF4-FFF2-40B4-BE49-F238E27FC236}">
+                <a16:creationId xmlns:a16="http://schemas.microsoft.com/office/drawing/2014/main" id="{303B76C3-27EE-44FC-A447-FD1D7D5F34CA}"/>
+              </a:ext>
+            </a:extLst>
+          </p:cNvPr>
+          <p:cNvSpPr txBox="1"/>
+          <p:nvPr/>
+        </p:nvSpPr>
+        <p:spPr>
+          <a:xfrm>
+            <a:off x="2111432" y="640080"/>
+            <a:ext cx="2784764" cy="369332"/>
+          </a:xfrm>
+          <a:prstGeom prst="rect">
+            <a:avLst/>
+          </a:prstGeom>
+          <a:solidFill>
+            <a:schemeClr val="accent2"/>
+          </a:solidFill>
+          <a:ln>
+            <a:solidFill>
+              <a:schemeClr val="accent6"/>
+            </a:solidFill>
+          </a:ln>
+        </p:spPr>
+        <p:txBody>
+          <a:bodyPr wrap="square" rtlCol="0">
+            <a:spAutoFit/>
+          </a:bodyPr>
+          <a:lstStyle/>
+          <a:p>
+            <a:r>
+              <a:rPr lang="en-US" dirty="0">
+                <a:latin typeface="Agency FB" panose="020B0503020202020204" pitchFamily="34" charset="0"/>
+              </a:rPr>
+              <a:t>Set secret number</a:t>
+            </a:r>
+          </a:p>
+        </p:txBody>
+      </p:sp>
+      <p:sp>
+        <p:nvSpPr>
+          <p:cNvPr id="5" name="TextBox 4">
+            <a:extLst>
+              <a:ext uri="{FF2B5EF4-FFF2-40B4-BE49-F238E27FC236}">
+                <a16:creationId xmlns:a16="http://schemas.microsoft.com/office/drawing/2014/main" id="{F0736639-FF74-4765-BD18-2B600277F87E}"/>
+              </a:ext>
+            </a:extLst>
+          </p:cNvPr>
+          <p:cNvSpPr txBox="1"/>
+          <p:nvPr/>
+        </p:nvSpPr>
+        <p:spPr>
+          <a:xfrm>
+            <a:off x="2111432" y="1507374"/>
+            <a:ext cx="2784764" cy="369332"/>
+          </a:xfrm>
+          <a:prstGeom prst="rect">
+            <a:avLst/>
+          </a:prstGeom>
+          <a:solidFill>
+            <a:schemeClr val="accent2"/>
+          </a:solidFill>
+          <a:ln>
+            <a:solidFill>
+              <a:schemeClr val="accent6"/>
+            </a:solidFill>
+          </a:ln>
+        </p:spPr>
+        <p:txBody>
+          <a:bodyPr wrap="square" rtlCol="0">
+            <a:spAutoFit/>
+          </a:bodyPr>
+          <a:lstStyle/>
+          <a:p>
+            <a:r>
+              <a:rPr lang="en-US" dirty="0">
+                <a:latin typeface="Agency FB" panose="020B0503020202020204" pitchFamily="34" charset="0"/>
+              </a:rPr>
+              <a:t>Set n=</a:t>
+            </a:r>
+            <a:r>
+              <a:rPr lang="en-US" dirty="0" err="1">
+                <a:latin typeface="Agency FB" panose="020B0503020202020204" pitchFamily="34" charset="0"/>
+              </a:rPr>
+              <a:t>users_guess</a:t>
+            </a:r>
+            <a:endParaRPr lang="en-US" dirty="0">
+              <a:latin typeface="Agency FB" panose="020B0503020202020204" pitchFamily="34" charset="0"/>
+            </a:endParaRPr>
+          </a:p>
+        </p:txBody>
+      </p:sp>
+      <p:sp>
+        <p:nvSpPr>
+          <p:cNvPr id="6" name="TextBox 5">
+            <a:extLst>
+              <a:ext uri="{FF2B5EF4-FFF2-40B4-BE49-F238E27FC236}">
+                <a16:creationId xmlns:a16="http://schemas.microsoft.com/office/drawing/2014/main" id="{1532A71B-9AAF-4B90-9AC4-673B91FDC3D1}"/>
+              </a:ext>
+            </a:extLst>
+          </p:cNvPr>
+          <p:cNvSpPr txBox="1"/>
+          <p:nvPr/>
+        </p:nvSpPr>
+        <p:spPr>
+          <a:xfrm>
+            <a:off x="2111432" y="2374669"/>
+            <a:ext cx="2784764" cy="369332"/>
+          </a:xfrm>
+          <a:prstGeom prst="rect">
+            <a:avLst/>
+          </a:prstGeom>
+          <a:solidFill>
+            <a:schemeClr val="accent1"/>
+          </a:solidFill>
+          <a:ln>
+            <a:solidFill>
+              <a:schemeClr val="accent6"/>
+            </a:solidFill>
+          </a:ln>
+        </p:spPr>
+        <p:txBody>
+          <a:bodyPr wrap="square" rtlCol="0">
+            <a:spAutoFit/>
+          </a:bodyPr>
+          <a:lstStyle/>
+          <a:p>
+            <a:r>
+              <a:rPr lang="en-US" dirty="0">
+                <a:latin typeface="Agency FB" panose="020B0503020202020204" pitchFamily="34" charset="0"/>
+              </a:rPr>
+              <a:t>n equals secret number?</a:t>
+            </a:r>
+          </a:p>
+        </p:txBody>
+      </p:sp>
+      <p:sp>
+        <p:nvSpPr>
+          <p:cNvPr id="7" name="TextBox 6">
+            <a:extLst>
+              <a:ext uri="{FF2B5EF4-FFF2-40B4-BE49-F238E27FC236}">
+                <a16:creationId xmlns:a16="http://schemas.microsoft.com/office/drawing/2014/main" id="{35CB0C72-66CB-420F-BFF3-B91865DC25D8}"/>
+              </a:ext>
+            </a:extLst>
+          </p:cNvPr>
+          <p:cNvSpPr txBox="1"/>
+          <p:nvPr/>
+        </p:nvSpPr>
+        <p:spPr>
+          <a:xfrm>
+            <a:off x="5989319" y="2374669"/>
+            <a:ext cx="2784764" cy="369332"/>
+          </a:xfrm>
+          <a:prstGeom prst="rect">
+            <a:avLst/>
+          </a:prstGeom>
+          <a:solidFill>
+            <a:schemeClr val="accent2"/>
+          </a:solidFill>
+          <a:ln>
+            <a:solidFill>
+              <a:schemeClr val="accent6"/>
+            </a:solidFill>
+          </a:ln>
+        </p:spPr>
+        <p:txBody>
+          <a:bodyPr wrap="square" rtlCol="0">
+            <a:spAutoFit/>
+          </a:bodyPr>
+          <a:lstStyle/>
+          <a:p>
+            <a:r>
+              <a:rPr lang="en-US" dirty="0">
+                <a:latin typeface="Agency FB" panose="020B0503020202020204" pitchFamily="34" charset="0"/>
+              </a:rPr>
+              <a:t>Print “done”</a:t>
+            </a:r>
+          </a:p>
+        </p:txBody>
+      </p:sp>
+      <p:sp>
+        <p:nvSpPr>
+          <p:cNvPr id="8" name="TextBox 7">
+            <a:extLst>
+              <a:ext uri="{FF2B5EF4-FFF2-40B4-BE49-F238E27FC236}">
+                <a16:creationId xmlns:a16="http://schemas.microsoft.com/office/drawing/2014/main" id="{BF5EFD46-76C1-4F34-BCC6-3D64DCCB78B5}"/>
+              </a:ext>
+            </a:extLst>
+          </p:cNvPr>
+          <p:cNvSpPr txBox="1"/>
+          <p:nvPr/>
+        </p:nvSpPr>
+        <p:spPr>
+          <a:xfrm>
+            <a:off x="2111432" y="3300953"/>
+            <a:ext cx="2784764" cy="369332"/>
+          </a:xfrm>
+          <a:prstGeom prst="rect">
+            <a:avLst/>
+          </a:prstGeom>
+          <a:solidFill>
+            <a:schemeClr val="accent1"/>
+          </a:solidFill>
+          <a:ln>
+            <a:solidFill>
+              <a:schemeClr val="accent6"/>
+            </a:solidFill>
+          </a:ln>
+        </p:spPr>
+        <p:txBody>
+          <a:bodyPr wrap="square" rtlCol="0">
+            <a:spAutoFit/>
+          </a:bodyPr>
+          <a:lstStyle/>
+          <a:p>
+            <a:r>
+              <a:rPr lang="en-US" dirty="0">
+                <a:latin typeface="Agency FB" panose="020B0503020202020204" pitchFamily="34" charset="0"/>
+              </a:rPr>
+              <a:t>n &gt; secret number?</a:t>
+            </a:r>
+          </a:p>
+        </p:txBody>
+      </p:sp>
+      <p:sp>
+        <p:nvSpPr>
+          <p:cNvPr id="9" name="TextBox 8">
+            <a:extLst>
+              <a:ext uri="{FF2B5EF4-FFF2-40B4-BE49-F238E27FC236}">
+                <a16:creationId xmlns:a16="http://schemas.microsoft.com/office/drawing/2014/main" id="{7EADC709-3978-4D44-86BD-F7730821B079}"/>
+              </a:ext>
+            </a:extLst>
+          </p:cNvPr>
+          <p:cNvSpPr txBox="1"/>
+          <p:nvPr/>
+        </p:nvSpPr>
+        <p:spPr>
+          <a:xfrm>
+            <a:off x="5989319" y="3300953"/>
+            <a:ext cx="2784764" cy="369332"/>
+          </a:xfrm>
+          <a:prstGeom prst="rect">
+            <a:avLst/>
+          </a:prstGeom>
+          <a:solidFill>
+            <a:schemeClr val="accent2"/>
+          </a:solidFill>
+          <a:ln>
+            <a:solidFill>
+              <a:schemeClr val="accent6"/>
+            </a:solidFill>
+          </a:ln>
+        </p:spPr>
+        <p:txBody>
+          <a:bodyPr wrap="square" rtlCol="0">
+            <a:spAutoFit/>
+          </a:bodyPr>
+          <a:lstStyle/>
+          <a:p>
+            <a:r>
+              <a:rPr lang="en-US" dirty="0">
+                <a:latin typeface="Agency FB" panose="020B0503020202020204" pitchFamily="34" charset="0"/>
+              </a:rPr>
+              <a:t>Print(“too high”)</a:t>
+            </a:r>
+          </a:p>
+        </p:txBody>
+      </p:sp>
+      <p:sp>
+        <p:nvSpPr>
+          <p:cNvPr id="10" name="TextBox 9">
+            <a:extLst>
+              <a:ext uri="{FF2B5EF4-FFF2-40B4-BE49-F238E27FC236}">
+                <a16:creationId xmlns:a16="http://schemas.microsoft.com/office/drawing/2014/main" id="{EE539E57-F19E-4602-B4E8-490CE9833BE6}"/>
+              </a:ext>
+            </a:extLst>
+          </p:cNvPr>
+          <p:cNvSpPr txBox="1"/>
+          <p:nvPr/>
+        </p:nvSpPr>
+        <p:spPr>
+          <a:xfrm>
+            <a:off x="2111432" y="4301251"/>
+            <a:ext cx="2784764" cy="369332"/>
+          </a:xfrm>
+          <a:prstGeom prst="rect">
+            <a:avLst/>
+          </a:prstGeom>
+          <a:solidFill>
+            <a:schemeClr val="accent2"/>
+          </a:solidFill>
+          <a:ln>
+            <a:solidFill>
+              <a:schemeClr val="accent6"/>
+            </a:solidFill>
+          </a:ln>
+        </p:spPr>
+        <p:txBody>
+          <a:bodyPr wrap="square" rtlCol="0">
+            <a:spAutoFit/>
+          </a:bodyPr>
+          <a:lstStyle/>
+          <a:p>
+            <a:r>
+              <a:rPr lang="en-US" dirty="0">
+                <a:latin typeface="Agency FB" panose="020B0503020202020204" pitchFamily="34" charset="0"/>
+              </a:rPr>
+              <a:t>Print “too low”</a:t>
+            </a:r>
+          </a:p>
+        </p:txBody>
+      </p:sp>
+      <p:cxnSp>
+        <p:nvCxnSpPr>
+          <p:cNvPr id="12" name="Straight Arrow Connector 11">
+            <a:extLst>
+              <a:ext uri="{FF2B5EF4-FFF2-40B4-BE49-F238E27FC236}">
+                <a16:creationId xmlns:a16="http://schemas.microsoft.com/office/drawing/2014/main" id="{EEC7F867-A987-4502-B331-239A51374C58}"/>
+              </a:ext>
+            </a:extLst>
+          </p:cNvPr>
+          <p:cNvCxnSpPr/>
+          <p:nvPr/>
+        </p:nvCxnSpPr>
+        <p:spPr>
+          <a:xfrm>
+            <a:off x="3341716" y="1052945"/>
+            <a:ext cx="0" cy="412866"/>
+          </a:xfrm>
+          <a:prstGeom prst="straightConnector1">
+            <a:avLst/>
+          </a:prstGeom>
+          <a:ln w="76200">
+            <a:solidFill>
+              <a:srgbClr val="FF0000"/>
+            </a:solidFill>
+            <a:tailEnd type="triangle"/>
+          </a:ln>
+        </p:spPr>
+        <p:style>
+          <a:lnRef idx="1">
+            <a:schemeClr val="accent2"/>
+          </a:lnRef>
+          <a:fillRef idx="0">
+            <a:schemeClr val="accent2"/>
+          </a:fillRef>
+          <a:effectRef idx="0">
+            <a:schemeClr val="accent2"/>
+          </a:effectRef>
+          <a:fontRef idx="minor">
+            <a:schemeClr val="tx1"/>
+          </a:fontRef>
+        </p:style>
+      </p:cxnSp>
+      <p:cxnSp>
+        <p:nvCxnSpPr>
+          <p:cNvPr id="13" name="Straight Arrow Connector 12">
+            <a:extLst>
+              <a:ext uri="{FF2B5EF4-FFF2-40B4-BE49-F238E27FC236}">
+                <a16:creationId xmlns:a16="http://schemas.microsoft.com/office/drawing/2014/main" id="{FA596147-93DD-4AD1-A8CF-975355010846}"/>
+              </a:ext>
+            </a:extLst>
+          </p:cNvPr>
+          <p:cNvCxnSpPr/>
+          <p:nvPr/>
+        </p:nvCxnSpPr>
+        <p:spPr>
+          <a:xfrm>
+            <a:off x="3341716" y="1961803"/>
+            <a:ext cx="0" cy="412866"/>
+          </a:xfrm>
+          <a:prstGeom prst="straightConnector1">
+            <a:avLst/>
+          </a:prstGeom>
+          <a:ln w="76200">
+            <a:solidFill>
+              <a:srgbClr val="FF0000"/>
+            </a:solidFill>
+            <a:tailEnd type="triangle"/>
+          </a:ln>
+        </p:spPr>
+        <p:style>
+          <a:lnRef idx="1">
+            <a:schemeClr val="accent2"/>
+          </a:lnRef>
+          <a:fillRef idx="0">
+            <a:schemeClr val="accent2"/>
+          </a:fillRef>
+          <a:effectRef idx="0">
+            <a:schemeClr val="accent2"/>
+          </a:effectRef>
+          <a:fontRef idx="minor">
+            <a:schemeClr val="tx1"/>
+          </a:fontRef>
+        </p:style>
+      </p:cxnSp>
+      <p:cxnSp>
+        <p:nvCxnSpPr>
+          <p:cNvPr id="14" name="Straight Arrow Connector 13">
+            <a:extLst>
+              <a:ext uri="{FF2B5EF4-FFF2-40B4-BE49-F238E27FC236}">
+                <a16:creationId xmlns:a16="http://schemas.microsoft.com/office/drawing/2014/main" id="{D41C5D54-9D20-4CC6-97D2-780F5CEF2757}"/>
+              </a:ext>
+            </a:extLst>
+          </p:cNvPr>
+          <p:cNvCxnSpPr/>
+          <p:nvPr/>
+        </p:nvCxnSpPr>
+        <p:spPr>
+          <a:xfrm>
+            <a:off x="3341716" y="2804159"/>
+            <a:ext cx="0" cy="412866"/>
+          </a:xfrm>
+          <a:prstGeom prst="straightConnector1">
+            <a:avLst/>
+          </a:prstGeom>
+          <a:ln w="76200">
+            <a:solidFill>
+              <a:srgbClr val="FF0000"/>
+            </a:solidFill>
+            <a:tailEnd type="triangle"/>
+          </a:ln>
+        </p:spPr>
+        <p:style>
+          <a:lnRef idx="1">
+            <a:schemeClr val="accent2"/>
+          </a:lnRef>
+          <a:fillRef idx="0">
+            <a:schemeClr val="accent2"/>
+          </a:fillRef>
+          <a:effectRef idx="0">
+            <a:schemeClr val="accent2"/>
+          </a:effectRef>
+          <a:fontRef idx="minor">
+            <a:schemeClr val="tx1"/>
+          </a:fontRef>
+        </p:style>
+      </p:cxnSp>
+      <p:sp>
+        <p:nvSpPr>
+          <p:cNvPr id="15" name="TextBox 14">
+            <a:extLst>
+              <a:ext uri="{FF2B5EF4-FFF2-40B4-BE49-F238E27FC236}">
+                <a16:creationId xmlns:a16="http://schemas.microsoft.com/office/drawing/2014/main" id="{B94C04E9-650E-470C-A670-0741286CD979}"/>
+              </a:ext>
+            </a:extLst>
+          </p:cNvPr>
+          <p:cNvSpPr txBox="1"/>
+          <p:nvPr/>
+        </p:nvSpPr>
+        <p:spPr>
+          <a:xfrm>
+            <a:off x="5110250" y="2168236"/>
+            <a:ext cx="739829" cy="369332"/>
+          </a:xfrm>
+          <a:prstGeom prst="rect">
+            <a:avLst/>
+          </a:prstGeom>
+          <a:noFill/>
+        </p:spPr>
+        <p:txBody>
+          <a:bodyPr wrap="square" rtlCol="0">
+            <a:spAutoFit/>
+          </a:bodyPr>
+          <a:lstStyle/>
+          <a:p>
+            <a:r>
+              <a:rPr lang="en-US" dirty="0">
+                <a:latin typeface="Agency FB" panose="020B0503020202020204" pitchFamily="34" charset="0"/>
+              </a:rPr>
+              <a:t>True</a:t>
+            </a:r>
+          </a:p>
+        </p:txBody>
+      </p:sp>
+      <p:cxnSp>
+        <p:nvCxnSpPr>
+          <p:cNvPr id="16" name="Straight Arrow Connector 15">
+            <a:extLst>
+              <a:ext uri="{FF2B5EF4-FFF2-40B4-BE49-F238E27FC236}">
+                <a16:creationId xmlns:a16="http://schemas.microsoft.com/office/drawing/2014/main" id="{41E3E1EC-389F-451B-9564-1616AF301CD4}"/>
+              </a:ext>
+            </a:extLst>
+          </p:cNvPr>
+          <p:cNvCxnSpPr>
+            <a:cxnSpLocks/>
+          </p:cNvCxnSpPr>
+          <p:nvPr/>
+        </p:nvCxnSpPr>
+        <p:spPr>
+          <a:xfrm>
+            <a:off x="5181599" y="2577747"/>
+            <a:ext cx="529240" cy="0"/>
+          </a:xfrm>
+          <a:prstGeom prst="straightConnector1">
+            <a:avLst/>
+          </a:prstGeom>
+          <a:ln w="76200">
+            <a:solidFill>
+              <a:srgbClr val="FF0000"/>
+            </a:solidFill>
+            <a:tailEnd type="triangle"/>
+          </a:ln>
+        </p:spPr>
+        <p:style>
+          <a:lnRef idx="1">
+            <a:schemeClr val="accent2"/>
+          </a:lnRef>
+          <a:fillRef idx="0">
+            <a:schemeClr val="accent2"/>
+          </a:fillRef>
+          <a:effectRef idx="0">
+            <a:schemeClr val="accent2"/>
+          </a:effectRef>
+          <a:fontRef idx="minor">
+            <a:schemeClr val="tx1"/>
+          </a:fontRef>
+        </p:style>
+      </p:cxnSp>
+      <p:cxnSp>
+        <p:nvCxnSpPr>
+          <p:cNvPr id="18" name="Straight Arrow Connector 17">
+            <a:extLst>
+              <a:ext uri="{FF2B5EF4-FFF2-40B4-BE49-F238E27FC236}">
+                <a16:creationId xmlns:a16="http://schemas.microsoft.com/office/drawing/2014/main" id="{D4FC61EF-0F67-4D73-91DD-E955681CD4DC}"/>
+              </a:ext>
+            </a:extLst>
+          </p:cNvPr>
+          <p:cNvCxnSpPr>
+            <a:cxnSpLocks/>
+          </p:cNvCxnSpPr>
+          <p:nvPr/>
+        </p:nvCxnSpPr>
+        <p:spPr>
+          <a:xfrm>
+            <a:off x="5181599" y="3429000"/>
+            <a:ext cx="529240" cy="0"/>
+          </a:xfrm>
+          <a:prstGeom prst="straightConnector1">
+            <a:avLst/>
+          </a:prstGeom>
+          <a:ln w="76200">
+            <a:solidFill>
+              <a:srgbClr val="FF0000"/>
+            </a:solidFill>
+            <a:tailEnd type="triangle"/>
+          </a:ln>
+        </p:spPr>
+        <p:style>
+          <a:lnRef idx="1">
+            <a:schemeClr val="accent2"/>
+          </a:lnRef>
+          <a:fillRef idx="0">
+            <a:schemeClr val="accent2"/>
+          </a:fillRef>
+          <a:effectRef idx="0">
+            <a:schemeClr val="accent2"/>
+          </a:effectRef>
+          <a:fontRef idx="minor">
+            <a:schemeClr val="tx1"/>
+          </a:fontRef>
+        </p:style>
+      </p:cxnSp>
+      <p:sp>
+        <p:nvSpPr>
+          <p:cNvPr id="19" name="TextBox 18">
+            <a:extLst>
+              <a:ext uri="{FF2B5EF4-FFF2-40B4-BE49-F238E27FC236}">
+                <a16:creationId xmlns:a16="http://schemas.microsoft.com/office/drawing/2014/main" id="{EA35AC0A-7F86-4E56-A161-31093D5A427A}"/>
+              </a:ext>
+            </a:extLst>
+          </p:cNvPr>
+          <p:cNvSpPr txBox="1"/>
+          <p:nvPr/>
+        </p:nvSpPr>
+        <p:spPr>
+          <a:xfrm>
+            <a:off x="5110250" y="3010592"/>
+            <a:ext cx="739829" cy="369332"/>
+          </a:xfrm>
+          <a:prstGeom prst="rect">
+            <a:avLst/>
+          </a:prstGeom>
+          <a:noFill/>
+        </p:spPr>
+        <p:txBody>
+          <a:bodyPr wrap="square" rtlCol="0">
+            <a:spAutoFit/>
+          </a:bodyPr>
+          <a:lstStyle/>
+          <a:p>
+            <a:r>
+              <a:rPr lang="en-US" dirty="0">
+                <a:latin typeface="Agency FB" panose="020B0503020202020204" pitchFamily="34" charset="0"/>
+              </a:rPr>
+              <a:t>True</a:t>
+            </a:r>
+          </a:p>
+        </p:txBody>
+      </p:sp>
+      <p:cxnSp>
+        <p:nvCxnSpPr>
+          <p:cNvPr id="20" name="Straight Arrow Connector 19">
+            <a:extLst>
+              <a:ext uri="{FF2B5EF4-FFF2-40B4-BE49-F238E27FC236}">
+                <a16:creationId xmlns:a16="http://schemas.microsoft.com/office/drawing/2014/main" id="{D9863230-F1B2-40DF-9AA4-5D57DE2A88A0}"/>
+              </a:ext>
+            </a:extLst>
+          </p:cNvPr>
+          <p:cNvCxnSpPr/>
+          <p:nvPr/>
+        </p:nvCxnSpPr>
+        <p:spPr>
+          <a:xfrm>
+            <a:off x="3341716" y="3829395"/>
+            <a:ext cx="0" cy="412866"/>
+          </a:xfrm>
+          <a:prstGeom prst="straightConnector1">
+            <a:avLst/>
+          </a:prstGeom>
+          <a:ln w="76200">
+            <a:solidFill>
+              <a:srgbClr val="FF0000"/>
+            </a:solidFill>
+            <a:tailEnd type="triangle"/>
+          </a:ln>
+        </p:spPr>
+        <p:style>
+          <a:lnRef idx="1">
+            <a:schemeClr val="accent2"/>
+          </a:lnRef>
+          <a:fillRef idx="0">
+            <a:schemeClr val="accent2"/>
+          </a:fillRef>
+          <a:effectRef idx="0">
+            <a:schemeClr val="accent2"/>
+          </a:effectRef>
+          <a:fontRef idx="minor">
+            <a:schemeClr val="tx1"/>
+          </a:fontRef>
+        </p:style>
+      </p:cxnSp>
+      <p:sp>
+        <p:nvSpPr>
+          <p:cNvPr id="21" name="TextBox 20">
+            <a:extLst>
+              <a:ext uri="{FF2B5EF4-FFF2-40B4-BE49-F238E27FC236}">
+                <a16:creationId xmlns:a16="http://schemas.microsoft.com/office/drawing/2014/main" id="{1FD7CFE6-D94E-465A-A240-5BEBC02D9647}"/>
+              </a:ext>
+            </a:extLst>
+          </p:cNvPr>
+          <p:cNvSpPr txBox="1"/>
+          <p:nvPr/>
+        </p:nvSpPr>
+        <p:spPr>
+          <a:xfrm>
+            <a:off x="2601887" y="2765550"/>
+            <a:ext cx="739829" cy="369332"/>
+          </a:xfrm>
+          <a:prstGeom prst="rect">
+            <a:avLst/>
+          </a:prstGeom>
+          <a:noFill/>
+        </p:spPr>
+        <p:txBody>
+          <a:bodyPr wrap="square" rtlCol="0">
+            <a:spAutoFit/>
+          </a:bodyPr>
+          <a:lstStyle/>
+          <a:p>
+            <a:r>
+              <a:rPr lang="en-US" dirty="0">
+                <a:latin typeface="Agency FB" panose="020B0503020202020204" pitchFamily="34" charset="0"/>
+              </a:rPr>
+              <a:t>False</a:t>
+            </a:r>
+          </a:p>
+        </p:txBody>
+      </p:sp>
+      <p:sp>
+        <p:nvSpPr>
+          <p:cNvPr id="22" name="TextBox 21">
+            <a:extLst>
+              <a:ext uri="{FF2B5EF4-FFF2-40B4-BE49-F238E27FC236}">
+                <a16:creationId xmlns:a16="http://schemas.microsoft.com/office/drawing/2014/main" id="{5AEC22F5-2BA0-4750-A3B3-C0FE817A9412}"/>
+              </a:ext>
+            </a:extLst>
+          </p:cNvPr>
+          <p:cNvSpPr txBox="1"/>
+          <p:nvPr/>
+        </p:nvSpPr>
+        <p:spPr>
+          <a:xfrm>
+            <a:off x="2601887" y="3731244"/>
+            <a:ext cx="739829" cy="369332"/>
+          </a:xfrm>
+          <a:prstGeom prst="rect">
+            <a:avLst/>
+          </a:prstGeom>
+          <a:noFill/>
+        </p:spPr>
+        <p:txBody>
+          <a:bodyPr wrap="square" rtlCol="0">
+            <a:spAutoFit/>
+          </a:bodyPr>
+          <a:lstStyle/>
+          <a:p>
+            <a:r>
+              <a:rPr lang="en-US" dirty="0">
+                <a:latin typeface="Agency FB" panose="020B0503020202020204" pitchFamily="34" charset="0"/>
+              </a:rPr>
+              <a:t>False</a:t>
+            </a:r>
           </a:p>
         </p:txBody>
       </p:sp>
     </p:spTree>
     <p:extLst>
       <p:ext uri="{BB962C8B-B14F-4D97-AF65-F5344CB8AC3E}">
-        <p14:creationId xmlns:p14="http://schemas.microsoft.com/office/powerpoint/2010/main" val="2109558371"/>
+        <p14:creationId xmlns:p14="http://schemas.microsoft.com/office/powerpoint/2010/main" val="3294498826"/>
+      </p:ext>
+    </p:extLst>
+  </p:cSld>
+  <p:clrMapOvr>
+    <a:masterClrMapping/>
+  </p:clrMapOvr>
+</p:sld>
+</file>
+
+<file path=ppt/slides/slide32.xml><?xml version="1.0" encoding="utf-8"?>
+<p:sld xmlns:a="http://schemas.openxmlformats.org/drawingml/2006/main" xmlns:r="http://schemas.openxmlformats.org/officeDocument/2006/relationships" xmlns:p="http://schemas.openxmlformats.org/presentationml/2006/main">
+  <p:cSld>
+    <p:spTree>
+      <p:nvGrpSpPr>
+        <p:cNvPr id="1" name=""/>
+        <p:cNvGrpSpPr/>
+        <p:nvPr/>
+      </p:nvGrpSpPr>
+      <p:grpSpPr>
+        <a:xfrm>
+          <a:off x="0" y="0"/>
+          <a:ext cx="0" cy="0"/>
+          <a:chOff x="0" y="0"/>
+          <a:chExt cx="0" cy="0"/>
+        </a:xfrm>
+      </p:grpSpPr>
+      <p:sp>
+        <p:nvSpPr>
+          <p:cNvPr id="4" name="TextBox 3">
+            <a:extLst>
+              <a:ext uri="{FF2B5EF4-FFF2-40B4-BE49-F238E27FC236}">
+                <a16:creationId xmlns:a16="http://schemas.microsoft.com/office/drawing/2014/main" id="{9C8BD7EB-60F7-4220-B051-7BDEB4F18B33}"/>
+              </a:ext>
+            </a:extLst>
+          </p:cNvPr>
+          <p:cNvSpPr txBox="1"/>
+          <p:nvPr/>
+        </p:nvSpPr>
+        <p:spPr>
+          <a:xfrm>
+            <a:off x="2111432" y="640080"/>
+            <a:ext cx="2784764" cy="369332"/>
+          </a:xfrm>
+          <a:prstGeom prst="rect">
+            <a:avLst/>
+          </a:prstGeom>
+          <a:solidFill>
+            <a:schemeClr val="accent2"/>
+          </a:solidFill>
+          <a:ln>
+            <a:solidFill>
+              <a:schemeClr val="accent6"/>
+            </a:solidFill>
+          </a:ln>
+        </p:spPr>
+        <p:txBody>
+          <a:bodyPr wrap="square" rtlCol="0">
+            <a:spAutoFit/>
+          </a:bodyPr>
+          <a:lstStyle/>
+          <a:p>
+            <a:r>
+              <a:rPr lang="en-US" dirty="0">
+                <a:latin typeface="Agency FB" panose="020B0503020202020204" pitchFamily="34" charset="0"/>
+              </a:rPr>
+              <a:t>Set secret number</a:t>
+            </a:r>
+          </a:p>
+        </p:txBody>
+      </p:sp>
+      <p:sp>
+        <p:nvSpPr>
+          <p:cNvPr id="5" name="TextBox 4">
+            <a:extLst>
+              <a:ext uri="{FF2B5EF4-FFF2-40B4-BE49-F238E27FC236}">
+                <a16:creationId xmlns:a16="http://schemas.microsoft.com/office/drawing/2014/main" id="{495CD258-D6FC-4081-B289-B8CF2B9F1E25}"/>
+              </a:ext>
+            </a:extLst>
+          </p:cNvPr>
+          <p:cNvSpPr txBox="1"/>
+          <p:nvPr/>
+        </p:nvSpPr>
+        <p:spPr>
+          <a:xfrm>
+            <a:off x="2111432" y="1507374"/>
+            <a:ext cx="2784764" cy="369332"/>
+          </a:xfrm>
+          <a:prstGeom prst="rect">
+            <a:avLst/>
+          </a:prstGeom>
+          <a:solidFill>
+            <a:schemeClr val="accent2"/>
+          </a:solidFill>
+          <a:ln>
+            <a:solidFill>
+              <a:schemeClr val="accent6"/>
+            </a:solidFill>
+          </a:ln>
+        </p:spPr>
+        <p:txBody>
+          <a:bodyPr wrap="square" rtlCol="0">
+            <a:spAutoFit/>
+          </a:bodyPr>
+          <a:lstStyle/>
+          <a:p>
+            <a:r>
+              <a:rPr lang="en-US" dirty="0">
+                <a:latin typeface="Agency FB" panose="020B0503020202020204" pitchFamily="34" charset="0"/>
+              </a:rPr>
+              <a:t>Set </a:t>
+            </a:r>
+            <a:r>
+              <a:rPr lang="en-US" dirty="0" err="1">
+                <a:latin typeface="Agency FB" panose="020B0503020202020204" pitchFamily="34" charset="0"/>
+              </a:rPr>
+              <a:t>users_guess</a:t>
+            </a:r>
+            <a:endParaRPr lang="en-US" dirty="0">
+              <a:latin typeface="Agency FB" panose="020B0503020202020204" pitchFamily="34" charset="0"/>
+            </a:endParaRPr>
+          </a:p>
+        </p:txBody>
+      </p:sp>
+      <p:sp>
+        <p:nvSpPr>
+          <p:cNvPr id="6" name="TextBox 5">
+            <a:extLst>
+              <a:ext uri="{FF2B5EF4-FFF2-40B4-BE49-F238E27FC236}">
+                <a16:creationId xmlns:a16="http://schemas.microsoft.com/office/drawing/2014/main" id="{8236EB8F-E7C3-4461-A1CA-47BF26134353}"/>
+              </a:ext>
+            </a:extLst>
+          </p:cNvPr>
+          <p:cNvSpPr txBox="1"/>
+          <p:nvPr/>
+        </p:nvSpPr>
+        <p:spPr>
+          <a:xfrm>
+            <a:off x="2111432" y="2374669"/>
+            <a:ext cx="2784764" cy="369332"/>
+          </a:xfrm>
+          <a:prstGeom prst="rect">
+            <a:avLst/>
+          </a:prstGeom>
+          <a:solidFill>
+            <a:schemeClr val="accent1"/>
+          </a:solidFill>
+          <a:ln>
+            <a:solidFill>
+              <a:schemeClr val="accent6"/>
+            </a:solidFill>
+          </a:ln>
+        </p:spPr>
+        <p:txBody>
+          <a:bodyPr wrap="square" rtlCol="0">
+            <a:spAutoFit/>
+          </a:bodyPr>
+          <a:lstStyle/>
+          <a:p>
+            <a:r>
+              <a:rPr lang="en-US" dirty="0">
+                <a:latin typeface="Agency FB" panose="020B0503020202020204" pitchFamily="34" charset="0"/>
+              </a:rPr>
+              <a:t>n equals secret number?</a:t>
+            </a:r>
+          </a:p>
+        </p:txBody>
+      </p:sp>
+      <p:sp>
+        <p:nvSpPr>
+          <p:cNvPr id="7" name="TextBox 6">
+            <a:extLst>
+              <a:ext uri="{FF2B5EF4-FFF2-40B4-BE49-F238E27FC236}">
+                <a16:creationId xmlns:a16="http://schemas.microsoft.com/office/drawing/2014/main" id="{DA76290F-B5FF-4EFF-8EAA-3E46FDDDFF13}"/>
+              </a:ext>
+            </a:extLst>
+          </p:cNvPr>
+          <p:cNvSpPr txBox="1"/>
+          <p:nvPr/>
+        </p:nvSpPr>
+        <p:spPr>
+          <a:xfrm>
+            <a:off x="5989319" y="2374669"/>
+            <a:ext cx="2784764" cy="369332"/>
+          </a:xfrm>
+          <a:prstGeom prst="rect">
+            <a:avLst/>
+          </a:prstGeom>
+          <a:solidFill>
+            <a:schemeClr val="accent2"/>
+          </a:solidFill>
+          <a:ln>
+            <a:solidFill>
+              <a:schemeClr val="accent6"/>
+            </a:solidFill>
+          </a:ln>
+        </p:spPr>
+        <p:txBody>
+          <a:bodyPr wrap="square" rtlCol="0">
+            <a:spAutoFit/>
+          </a:bodyPr>
+          <a:lstStyle/>
+          <a:p>
+            <a:r>
+              <a:rPr lang="en-US" dirty="0">
+                <a:latin typeface="Agency FB" panose="020B0503020202020204" pitchFamily="34" charset="0"/>
+              </a:rPr>
+              <a:t>Print “done”</a:t>
+            </a:r>
+          </a:p>
+        </p:txBody>
+      </p:sp>
+      <p:sp>
+        <p:nvSpPr>
+          <p:cNvPr id="8" name="TextBox 7">
+            <a:extLst>
+              <a:ext uri="{FF2B5EF4-FFF2-40B4-BE49-F238E27FC236}">
+                <a16:creationId xmlns:a16="http://schemas.microsoft.com/office/drawing/2014/main" id="{C545098F-64FE-4405-A547-55D4BB2A458F}"/>
+              </a:ext>
+            </a:extLst>
+          </p:cNvPr>
+          <p:cNvSpPr txBox="1"/>
+          <p:nvPr/>
+        </p:nvSpPr>
+        <p:spPr>
+          <a:xfrm>
+            <a:off x="2111432" y="3300953"/>
+            <a:ext cx="2784764" cy="369332"/>
+          </a:xfrm>
+          <a:prstGeom prst="rect">
+            <a:avLst/>
+          </a:prstGeom>
+          <a:solidFill>
+            <a:schemeClr val="accent1"/>
+          </a:solidFill>
+          <a:ln>
+            <a:solidFill>
+              <a:schemeClr val="accent6"/>
+            </a:solidFill>
+          </a:ln>
+        </p:spPr>
+        <p:txBody>
+          <a:bodyPr wrap="square" rtlCol="0">
+            <a:spAutoFit/>
+          </a:bodyPr>
+          <a:lstStyle/>
+          <a:p>
+            <a:r>
+              <a:rPr lang="en-US" dirty="0">
+                <a:latin typeface="Agency FB" panose="020B0503020202020204" pitchFamily="34" charset="0"/>
+              </a:rPr>
+              <a:t>n &gt; secret number?</a:t>
+            </a:r>
+          </a:p>
+        </p:txBody>
+      </p:sp>
+      <p:sp>
+        <p:nvSpPr>
+          <p:cNvPr id="9" name="TextBox 8">
+            <a:extLst>
+              <a:ext uri="{FF2B5EF4-FFF2-40B4-BE49-F238E27FC236}">
+                <a16:creationId xmlns:a16="http://schemas.microsoft.com/office/drawing/2014/main" id="{218422ED-E6C5-472B-8B7B-B04A619AB3C4}"/>
+              </a:ext>
+            </a:extLst>
+          </p:cNvPr>
+          <p:cNvSpPr txBox="1"/>
+          <p:nvPr/>
+        </p:nvSpPr>
+        <p:spPr>
+          <a:xfrm>
+            <a:off x="5989319" y="3300953"/>
+            <a:ext cx="2784764" cy="369332"/>
+          </a:xfrm>
+          <a:prstGeom prst="rect">
+            <a:avLst/>
+          </a:prstGeom>
+          <a:solidFill>
+            <a:schemeClr val="accent2"/>
+          </a:solidFill>
+          <a:ln>
+            <a:solidFill>
+              <a:schemeClr val="accent6"/>
+            </a:solidFill>
+          </a:ln>
+        </p:spPr>
+        <p:txBody>
+          <a:bodyPr wrap="square" rtlCol="0">
+            <a:spAutoFit/>
+          </a:bodyPr>
+          <a:lstStyle/>
+          <a:p>
+            <a:r>
+              <a:rPr lang="en-US" dirty="0">
+                <a:latin typeface="Agency FB" panose="020B0503020202020204" pitchFamily="34" charset="0"/>
+              </a:rPr>
+              <a:t>Print(“too high”)</a:t>
+            </a:r>
+          </a:p>
+        </p:txBody>
+      </p:sp>
+      <p:sp>
+        <p:nvSpPr>
+          <p:cNvPr id="10" name="TextBox 9">
+            <a:extLst>
+              <a:ext uri="{FF2B5EF4-FFF2-40B4-BE49-F238E27FC236}">
+                <a16:creationId xmlns:a16="http://schemas.microsoft.com/office/drawing/2014/main" id="{4013607E-35B3-42B3-B58E-A0AB71C5ABC0}"/>
+              </a:ext>
+            </a:extLst>
+          </p:cNvPr>
+          <p:cNvSpPr txBox="1"/>
+          <p:nvPr/>
+        </p:nvSpPr>
+        <p:spPr>
+          <a:xfrm>
+            <a:off x="2111432" y="4301251"/>
+            <a:ext cx="2784764" cy="369332"/>
+          </a:xfrm>
+          <a:prstGeom prst="rect">
+            <a:avLst/>
+          </a:prstGeom>
+          <a:solidFill>
+            <a:schemeClr val="accent2"/>
+          </a:solidFill>
+          <a:ln>
+            <a:solidFill>
+              <a:schemeClr val="accent6"/>
+            </a:solidFill>
+          </a:ln>
+        </p:spPr>
+        <p:txBody>
+          <a:bodyPr wrap="square" rtlCol="0">
+            <a:spAutoFit/>
+          </a:bodyPr>
+          <a:lstStyle/>
+          <a:p>
+            <a:r>
+              <a:rPr lang="en-US" dirty="0">
+                <a:latin typeface="Agency FB" panose="020B0503020202020204" pitchFamily="34" charset="0"/>
+              </a:rPr>
+              <a:t>Print “too low”</a:t>
+            </a:r>
+          </a:p>
+        </p:txBody>
+      </p:sp>
+      <p:cxnSp>
+        <p:nvCxnSpPr>
+          <p:cNvPr id="11" name="Straight Arrow Connector 10">
+            <a:extLst>
+              <a:ext uri="{FF2B5EF4-FFF2-40B4-BE49-F238E27FC236}">
+                <a16:creationId xmlns:a16="http://schemas.microsoft.com/office/drawing/2014/main" id="{29CEDA03-84A8-40D2-A6A6-A6D87FC29467}"/>
+              </a:ext>
+            </a:extLst>
+          </p:cNvPr>
+          <p:cNvCxnSpPr/>
+          <p:nvPr/>
+        </p:nvCxnSpPr>
+        <p:spPr>
+          <a:xfrm>
+            <a:off x="3341716" y="1052945"/>
+            <a:ext cx="0" cy="412866"/>
+          </a:xfrm>
+          <a:prstGeom prst="straightConnector1">
+            <a:avLst/>
+          </a:prstGeom>
+          <a:ln w="76200">
+            <a:solidFill>
+              <a:srgbClr val="FF0000"/>
+            </a:solidFill>
+            <a:tailEnd type="triangle"/>
+          </a:ln>
+        </p:spPr>
+        <p:style>
+          <a:lnRef idx="1">
+            <a:schemeClr val="accent2"/>
+          </a:lnRef>
+          <a:fillRef idx="0">
+            <a:schemeClr val="accent2"/>
+          </a:fillRef>
+          <a:effectRef idx="0">
+            <a:schemeClr val="accent2"/>
+          </a:effectRef>
+          <a:fontRef idx="minor">
+            <a:schemeClr val="tx1"/>
+          </a:fontRef>
+        </p:style>
+      </p:cxnSp>
+      <p:cxnSp>
+        <p:nvCxnSpPr>
+          <p:cNvPr id="12" name="Straight Arrow Connector 11">
+            <a:extLst>
+              <a:ext uri="{FF2B5EF4-FFF2-40B4-BE49-F238E27FC236}">
+                <a16:creationId xmlns:a16="http://schemas.microsoft.com/office/drawing/2014/main" id="{F2B9201C-7060-4B3F-926E-DF214C09923D}"/>
+              </a:ext>
+            </a:extLst>
+          </p:cNvPr>
+          <p:cNvCxnSpPr/>
+          <p:nvPr/>
+        </p:nvCxnSpPr>
+        <p:spPr>
+          <a:xfrm>
+            <a:off x="3341716" y="1961803"/>
+            <a:ext cx="0" cy="412866"/>
+          </a:xfrm>
+          <a:prstGeom prst="straightConnector1">
+            <a:avLst/>
+          </a:prstGeom>
+          <a:ln w="76200">
+            <a:solidFill>
+              <a:srgbClr val="FF0000"/>
+            </a:solidFill>
+            <a:tailEnd type="triangle"/>
+          </a:ln>
+        </p:spPr>
+        <p:style>
+          <a:lnRef idx="1">
+            <a:schemeClr val="accent2"/>
+          </a:lnRef>
+          <a:fillRef idx="0">
+            <a:schemeClr val="accent2"/>
+          </a:fillRef>
+          <a:effectRef idx="0">
+            <a:schemeClr val="accent2"/>
+          </a:effectRef>
+          <a:fontRef idx="minor">
+            <a:schemeClr val="tx1"/>
+          </a:fontRef>
+        </p:style>
+      </p:cxnSp>
+      <p:cxnSp>
+        <p:nvCxnSpPr>
+          <p:cNvPr id="13" name="Straight Arrow Connector 12">
+            <a:extLst>
+              <a:ext uri="{FF2B5EF4-FFF2-40B4-BE49-F238E27FC236}">
+                <a16:creationId xmlns:a16="http://schemas.microsoft.com/office/drawing/2014/main" id="{7D617954-96ED-4155-8CA6-2F7C410BD1D0}"/>
+              </a:ext>
+            </a:extLst>
+          </p:cNvPr>
+          <p:cNvCxnSpPr/>
+          <p:nvPr/>
+        </p:nvCxnSpPr>
+        <p:spPr>
+          <a:xfrm>
+            <a:off x="3341716" y="2804159"/>
+            <a:ext cx="0" cy="412866"/>
+          </a:xfrm>
+          <a:prstGeom prst="straightConnector1">
+            <a:avLst/>
+          </a:prstGeom>
+          <a:ln w="76200">
+            <a:solidFill>
+              <a:srgbClr val="FF0000"/>
+            </a:solidFill>
+            <a:tailEnd type="triangle"/>
+          </a:ln>
+        </p:spPr>
+        <p:style>
+          <a:lnRef idx="1">
+            <a:schemeClr val="accent2"/>
+          </a:lnRef>
+          <a:fillRef idx="0">
+            <a:schemeClr val="accent2"/>
+          </a:fillRef>
+          <a:effectRef idx="0">
+            <a:schemeClr val="accent2"/>
+          </a:effectRef>
+          <a:fontRef idx="minor">
+            <a:schemeClr val="tx1"/>
+          </a:fontRef>
+        </p:style>
+      </p:cxnSp>
+      <p:sp>
+        <p:nvSpPr>
+          <p:cNvPr id="14" name="TextBox 13">
+            <a:extLst>
+              <a:ext uri="{FF2B5EF4-FFF2-40B4-BE49-F238E27FC236}">
+                <a16:creationId xmlns:a16="http://schemas.microsoft.com/office/drawing/2014/main" id="{E619AD53-6F96-4A2A-9A58-48BE39C3FC90}"/>
+              </a:ext>
+            </a:extLst>
+          </p:cNvPr>
+          <p:cNvSpPr txBox="1"/>
+          <p:nvPr/>
+        </p:nvSpPr>
+        <p:spPr>
+          <a:xfrm>
+            <a:off x="5110250" y="2168236"/>
+            <a:ext cx="739829" cy="369332"/>
+          </a:xfrm>
+          <a:prstGeom prst="rect">
+            <a:avLst/>
+          </a:prstGeom>
+          <a:noFill/>
+        </p:spPr>
+        <p:txBody>
+          <a:bodyPr wrap="square" rtlCol="0">
+            <a:spAutoFit/>
+          </a:bodyPr>
+          <a:lstStyle/>
+          <a:p>
+            <a:r>
+              <a:rPr lang="en-US" dirty="0">
+                <a:latin typeface="Agency FB" panose="020B0503020202020204" pitchFamily="34" charset="0"/>
+              </a:rPr>
+              <a:t>True</a:t>
+            </a:r>
+          </a:p>
+        </p:txBody>
+      </p:sp>
+      <p:cxnSp>
+        <p:nvCxnSpPr>
+          <p:cNvPr id="15" name="Straight Arrow Connector 14">
+            <a:extLst>
+              <a:ext uri="{FF2B5EF4-FFF2-40B4-BE49-F238E27FC236}">
+                <a16:creationId xmlns:a16="http://schemas.microsoft.com/office/drawing/2014/main" id="{B3817843-741D-40C0-A8B2-B8299FF5721A}"/>
+              </a:ext>
+            </a:extLst>
+          </p:cNvPr>
+          <p:cNvCxnSpPr>
+            <a:cxnSpLocks/>
+          </p:cNvCxnSpPr>
+          <p:nvPr/>
+        </p:nvCxnSpPr>
+        <p:spPr>
+          <a:xfrm>
+            <a:off x="5181599" y="2577747"/>
+            <a:ext cx="529240" cy="0"/>
+          </a:xfrm>
+          <a:prstGeom prst="straightConnector1">
+            <a:avLst/>
+          </a:prstGeom>
+          <a:ln w="76200">
+            <a:solidFill>
+              <a:srgbClr val="FF0000"/>
+            </a:solidFill>
+            <a:tailEnd type="triangle"/>
+          </a:ln>
+        </p:spPr>
+        <p:style>
+          <a:lnRef idx="1">
+            <a:schemeClr val="accent2"/>
+          </a:lnRef>
+          <a:fillRef idx="0">
+            <a:schemeClr val="accent2"/>
+          </a:fillRef>
+          <a:effectRef idx="0">
+            <a:schemeClr val="accent2"/>
+          </a:effectRef>
+          <a:fontRef idx="minor">
+            <a:schemeClr val="tx1"/>
+          </a:fontRef>
+        </p:style>
+      </p:cxnSp>
+      <p:cxnSp>
+        <p:nvCxnSpPr>
+          <p:cNvPr id="16" name="Straight Arrow Connector 15">
+            <a:extLst>
+              <a:ext uri="{FF2B5EF4-FFF2-40B4-BE49-F238E27FC236}">
+                <a16:creationId xmlns:a16="http://schemas.microsoft.com/office/drawing/2014/main" id="{16715F13-22EA-4DE2-9FD1-9CD3FD7679D8}"/>
+              </a:ext>
+            </a:extLst>
+          </p:cNvPr>
+          <p:cNvCxnSpPr>
+            <a:cxnSpLocks/>
+          </p:cNvCxnSpPr>
+          <p:nvPr/>
+        </p:nvCxnSpPr>
+        <p:spPr>
+          <a:xfrm>
+            <a:off x="5181599" y="3429000"/>
+            <a:ext cx="529240" cy="0"/>
+          </a:xfrm>
+          <a:prstGeom prst="straightConnector1">
+            <a:avLst/>
+          </a:prstGeom>
+          <a:ln w="76200">
+            <a:solidFill>
+              <a:srgbClr val="FF0000"/>
+            </a:solidFill>
+            <a:tailEnd type="triangle"/>
+          </a:ln>
+        </p:spPr>
+        <p:style>
+          <a:lnRef idx="1">
+            <a:schemeClr val="accent2"/>
+          </a:lnRef>
+          <a:fillRef idx="0">
+            <a:schemeClr val="accent2"/>
+          </a:fillRef>
+          <a:effectRef idx="0">
+            <a:schemeClr val="accent2"/>
+          </a:effectRef>
+          <a:fontRef idx="minor">
+            <a:schemeClr val="tx1"/>
+          </a:fontRef>
+        </p:style>
+      </p:cxnSp>
+      <p:sp>
+        <p:nvSpPr>
+          <p:cNvPr id="17" name="TextBox 16">
+            <a:extLst>
+              <a:ext uri="{FF2B5EF4-FFF2-40B4-BE49-F238E27FC236}">
+                <a16:creationId xmlns:a16="http://schemas.microsoft.com/office/drawing/2014/main" id="{1A207B33-AED3-499E-9736-7D7721F5CABD}"/>
+              </a:ext>
+            </a:extLst>
+          </p:cNvPr>
+          <p:cNvSpPr txBox="1"/>
+          <p:nvPr/>
+        </p:nvSpPr>
+        <p:spPr>
+          <a:xfrm>
+            <a:off x="5110250" y="3010592"/>
+            <a:ext cx="739829" cy="369332"/>
+          </a:xfrm>
+          <a:prstGeom prst="rect">
+            <a:avLst/>
+          </a:prstGeom>
+          <a:noFill/>
+        </p:spPr>
+        <p:txBody>
+          <a:bodyPr wrap="square" rtlCol="0">
+            <a:spAutoFit/>
+          </a:bodyPr>
+          <a:lstStyle/>
+          <a:p>
+            <a:r>
+              <a:rPr lang="en-US" dirty="0">
+                <a:latin typeface="Agency FB" panose="020B0503020202020204" pitchFamily="34" charset="0"/>
+              </a:rPr>
+              <a:t>True</a:t>
+            </a:r>
+          </a:p>
+        </p:txBody>
+      </p:sp>
+      <p:cxnSp>
+        <p:nvCxnSpPr>
+          <p:cNvPr id="18" name="Straight Arrow Connector 17">
+            <a:extLst>
+              <a:ext uri="{FF2B5EF4-FFF2-40B4-BE49-F238E27FC236}">
+                <a16:creationId xmlns:a16="http://schemas.microsoft.com/office/drawing/2014/main" id="{0516BFF5-490F-4F31-9D10-63C953B301C9}"/>
+              </a:ext>
+            </a:extLst>
+          </p:cNvPr>
+          <p:cNvCxnSpPr/>
+          <p:nvPr/>
+        </p:nvCxnSpPr>
+        <p:spPr>
+          <a:xfrm>
+            <a:off x="3341716" y="3829395"/>
+            <a:ext cx="0" cy="412866"/>
+          </a:xfrm>
+          <a:prstGeom prst="straightConnector1">
+            <a:avLst/>
+          </a:prstGeom>
+          <a:ln w="76200">
+            <a:solidFill>
+              <a:srgbClr val="FF0000"/>
+            </a:solidFill>
+            <a:tailEnd type="triangle"/>
+          </a:ln>
+        </p:spPr>
+        <p:style>
+          <a:lnRef idx="1">
+            <a:schemeClr val="accent2"/>
+          </a:lnRef>
+          <a:fillRef idx="0">
+            <a:schemeClr val="accent2"/>
+          </a:fillRef>
+          <a:effectRef idx="0">
+            <a:schemeClr val="accent2"/>
+          </a:effectRef>
+          <a:fontRef idx="minor">
+            <a:schemeClr val="tx1"/>
+          </a:fontRef>
+        </p:style>
+      </p:cxnSp>
+      <p:sp>
+        <p:nvSpPr>
+          <p:cNvPr id="19" name="TextBox 18">
+            <a:extLst>
+              <a:ext uri="{FF2B5EF4-FFF2-40B4-BE49-F238E27FC236}">
+                <a16:creationId xmlns:a16="http://schemas.microsoft.com/office/drawing/2014/main" id="{348A9B72-5016-4768-B1E5-9245437108A6}"/>
+              </a:ext>
+            </a:extLst>
+          </p:cNvPr>
+          <p:cNvSpPr txBox="1"/>
+          <p:nvPr/>
+        </p:nvSpPr>
+        <p:spPr>
+          <a:xfrm>
+            <a:off x="2601887" y="2765550"/>
+            <a:ext cx="739829" cy="369332"/>
+          </a:xfrm>
+          <a:prstGeom prst="rect">
+            <a:avLst/>
+          </a:prstGeom>
+          <a:noFill/>
+        </p:spPr>
+        <p:txBody>
+          <a:bodyPr wrap="square" rtlCol="0">
+            <a:spAutoFit/>
+          </a:bodyPr>
+          <a:lstStyle/>
+          <a:p>
+            <a:r>
+              <a:rPr lang="en-US" dirty="0">
+                <a:latin typeface="Agency FB" panose="020B0503020202020204" pitchFamily="34" charset="0"/>
+              </a:rPr>
+              <a:t>False</a:t>
+            </a:r>
+          </a:p>
+        </p:txBody>
+      </p:sp>
+      <p:sp>
+        <p:nvSpPr>
+          <p:cNvPr id="20" name="TextBox 19">
+            <a:extLst>
+              <a:ext uri="{FF2B5EF4-FFF2-40B4-BE49-F238E27FC236}">
+                <a16:creationId xmlns:a16="http://schemas.microsoft.com/office/drawing/2014/main" id="{C56D01FC-D024-4E2A-AE7A-E68FFC32C687}"/>
+              </a:ext>
+            </a:extLst>
+          </p:cNvPr>
+          <p:cNvSpPr txBox="1"/>
+          <p:nvPr/>
+        </p:nvSpPr>
+        <p:spPr>
+          <a:xfrm>
+            <a:off x="2601887" y="3731244"/>
+            <a:ext cx="739829" cy="369332"/>
+          </a:xfrm>
+          <a:prstGeom prst="rect">
+            <a:avLst/>
+          </a:prstGeom>
+          <a:noFill/>
+        </p:spPr>
+        <p:txBody>
+          <a:bodyPr wrap="square" rtlCol="0">
+            <a:spAutoFit/>
+          </a:bodyPr>
+          <a:lstStyle/>
+          <a:p>
+            <a:r>
+              <a:rPr lang="en-US" dirty="0">
+                <a:latin typeface="Agency FB" panose="020B0503020202020204" pitchFamily="34" charset="0"/>
+              </a:rPr>
+              <a:t>False</a:t>
+            </a:r>
+          </a:p>
+        </p:txBody>
+      </p:sp>
+      <p:cxnSp>
+        <p:nvCxnSpPr>
+          <p:cNvPr id="21" name="Straight Arrow Connector 20">
+            <a:extLst>
+              <a:ext uri="{FF2B5EF4-FFF2-40B4-BE49-F238E27FC236}">
+                <a16:creationId xmlns:a16="http://schemas.microsoft.com/office/drawing/2014/main" id="{5096A027-3293-42BC-8B7B-C3007629DA7B}"/>
+              </a:ext>
+            </a:extLst>
+          </p:cNvPr>
+          <p:cNvCxnSpPr>
+            <a:cxnSpLocks/>
+          </p:cNvCxnSpPr>
+          <p:nvPr/>
+        </p:nvCxnSpPr>
+        <p:spPr>
+          <a:xfrm>
+            <a:off x="9024850" y="2577747"/>
+            <a:ext cx="529240" cy="0"/>
+          </a:xfrm>
+          <a:prstGeom prst="straightConnector1">
+            <a:avLst/>
+          </a:prstGeom>
+          <a:ln w="76200">
+            <a:solidFill>
+              <a:srgbClr val="FF0000"/>
+            </a:solidFill>
+            <a:tailEnd type="triangle"/>
+          </a:ln>
+        </p:spPr>
+        <p:style>
+          <a:lnRef idx="1">
+            <a:schemeClr val="accent2"/>
+          </a:lnRef>
+          <a:fillRef idx="0">
+            <a:schemeClr val="accent2"/>
+          </a:fillRef>
+          <a:effectRef idx="0">
+            <a:schemeClr val="accent2"/>
+          </a:effectRef>
+          <a:fontRef idx="minor">
+            <a:schemeClr val="tx1"/>
+          </a:fontRef>
+        </p:style>
+      </p:cxnSp>
+      <p:sp>
+        <p:nvSpPr>
+          <p:cNvPr id="22" name="TextBox 21">
+            <a:extLst>
+              <a:ext uri="{FF2B5EF4-FFF2-40B4-BE49-F238E27FC236}">
+                <a16:creationId xmlns:a16="http://schemas.microsoft.com/office/drawing/2014/main" id="{CFCE58D8-9C68-4A31-8992-49801CC7AB04}"/>
+              </a:ext>
+            </a:extLst>
+          </p:cNvPr>
+          <p:cNvSpPr txBox="1"/>
+          <p:nvPr/>
+        </p:nvSpPr>
+        <p:spPr>
+          <a:xfrm>
+            <a:off x="9742521" y="2390091"/>
+            <a:ext cx="652554" cy="369332"/>
+          </a:xfrm>
+          <a:prstGeom prst="rect">
+            <a:avLst/>
+          </a:prstGeom>
+          <a:solidFill>
+            <a:schemeClr val="accent2"/>
+          </a:solidFill>
+          <a:ln>
+            <a:solidFill>
+              <a:schemeClr val="accent6"/>
+            </a:solidFill>
+          </a:ln>
+        </p:spPr>
+        <p:txBody>
+          <a:bodyPr wrap="square" rtlCol="0">
+            <a:spAutoFit/>
+          </a:bodyPr>
+          <a:lstStyle/>
+          <a:p>
+            <a:r>
+              <a:rPr lang="en-US" dirty="0">
+                <a:latin typeface="Agency FB" panose="020B0503020202020204" pitchFamily="34" charset="0"/>
+              </a:rPr>
+              <a:t>Stop</a:t>
+            </a:r>
+          </a:p>
+        </p:txBody>
+      </p:sp>
+      <p:cxnSp>
+        <p:nvCxnSpPr>
+          <p:cNvPr id="25" name="Straight Connector 24">
+            <a:extLst>
+              <a:ext uri="{FF2B5EF4-FFF2-40B4-BE49-F238E27FC236}">
+                <a16:creationId xmlns:a16="http://schemas.microsoft.com/office/drawing/2014/main" id="{554AD7CB-FD71-4E53-965B-1341CC56A71F}"/>
+              </a:ext>
+            </a:extLst>
+          </p:cNvPr>
+          <p:cNvCxnSpPr/>
+          <p:nvPr/>
+        </p:nvCxnSpPr>
+        <p:spPr>
+          <a:xfrm>
+            <a:off x="7398327" y="3731244"/>
+            <a:ext cx="0" cy="1522400"/>
+          </a:xfrm>
+          <a:prstGeom prst="line">
+            <a:avLst/>
+          </a:prstGeom>
+          <a:ln w="76200">
+            <a:solidFill>
+              <a:srgbClr val="FF0000"/>
+            </a:solidFill>
+          </a:ln>
+        </p:spPr>
+        <p:style>
+          <a:lnRef idx="1">
+            <a:schemeClr val="accent1"/>
+          </a:lnRef>
+          <a:fillRef idx="0">
+            <a:schemeClr val="accent1"/>
+          </a:fillRef>
+          <a:effectRef idx="0">
+            <a:schemeClr val="accent1"/>
+          </a:effectRef>
+          <a:fontRef idx="minor">
+            <a:schemeClr val="tx1"/>
+          </a:fontRef>
+        </p:style>
+      </p:cxnSp>
+      <p:cxnSp>
+        <p:nvCxnSpPr>
+          <p:cNvPr id="27" name="Straight Arrow Connector 26">
+            <a:extLst>
+              <a:ext uri="{FF2B5EF4-FFF2-40B4-BE49-F238E27FC236}">
+                <a16:creationId xmlns:a16="http://schemas.microsoft.com/office/drawing/2014/main" id="{CDD88572-745B-4787-9A33-4AA924943DEF}"/>
+              </a:ext>
+            </a:extLst>
+          </p:cNvPr>
+          <p:cNvCxnSpPr>
+            <a:cxnSpLocks/>
+          </p:cNvCxnSpPr>
+          <p:nvPr/>
+        </p:nvCxnSpPr>
+        <p:spPr>
+          <a:xfrm flipH="1">
+            <a:off x="4896196" y="5228706"/>
+            <a:ext cx="2502131" cy="0"/>
+          </a:xfrm>
+          <a:prstGeom prst="straightConnector1">
+            <a:avLst/>
+          </a:prstGeom>
+          <a:ln w="76200">
+            <a:solidFill>
+              <a:srgbClr val="FF0000"/>
+            </a:solidFill>
+            <a:tailEnd type="triangle"/>
+          </a:ln>
+        </p:spPr>
+        <p:style>
+          <a:lnRef idx="1">
+            <a:schemeClr val="accent1"/>
+          </a:lnRef>
+          <a:fillRef idx="0">
+            <a:schemeClr val="accent1"/>
+          </a:fillRef>
+          <a:effectRef idx="0">
+            <a:schemeClr val="accent1"/>
+          </a:effectRef>
+          <a:fontRef idx="minor">
+            <a:schemeClr val="tx1"/>
+          </a:fontRef>
+        </p:style>
+      </p:cxnSp>
+      <p:sp>
+        <p:nvSpPr>
+          <p:cNvPr id="30" name="TextBox 29">
+            <a:extLst>
+              <a:ext uri="{FF2B5EF4-FFF2-40B4-BE49-F238E27FC236}">
+                <a16:creationId xmlns:a16="http://schemas.microsoft.com/office/drawing/2014/main" id="{A31FD506-1F3A-4241-9585-1598D9139F6F}"/>
+              </a:ext>
+            </a:extLst>
+          </p:cNvPr>
+          <p:cNvSpPr txBox="1"/>
+          <p:nvPr/>
+        </p:nvSpPr>
+        <p:spPr>
+          <a:xfrm>
+            <a:off x="2111432" y="5068978"/>
+            <a:ext cx="2784764" cy="369332"/>
+          </a:xfrm>
+          <a:prstGeom prst="rect">
+            <a:avLst/>
+          </a:prstGeom>
+          <a:solidFill>
+            <a:schemeClr val="accent2"/>
+          </a:solidFill>
+          <a:ln>
+            <a:solidFill>
+              <a:schemeClr val="accent6"/>
+            </a:solidFill>
+          </a:ln>
+        </p:spPr>
+        <p:txBody>
+          <a:bodyPr wrap="square" rtlCol="0">
+            <a:spAutoFit/>
+          </a:bodyPr>
+          <a:lstStyle/>
+          <a:p>
+            <a:r>
+              <a:rPr lang="en-US" dirty="0">
+                <a:latin typeface="Agency FB" panose="020B0503020202020204" pitchFamily="34" charset="0"/>
+              </a:rPr>
+              <a:t>Set n=users guess</a:t>
+            </a:r>
+          </a:p>
+        </p:txBody>
+      </p:sp>
+      <p:cxnSp>
+        <p:nvCxnSpPr>
+          <p:cNvPr id="32" name="Straight Arrow Connector 31">
+            <a:extLst>
+              <a:ext uri="{FF2B5EF4-FFF2-40B4-BE49-F238E27FC236}">
+                <a16:creationId xmlns:a16="http://schemas.microsoft.com/office/drawing/2014/main" id="{DB89CF03-ACBA-422D-AB01-FFB4B28FD64F}"/>
+              </a:ext>
+            </a:extLst>
+          </p:cNvPr>
+          <p:cNvCxnSpPr>
+            <a:cxnSpLocks/>
+          </p:cNvCxnSpPr>
+          <p:nvPr/>
+        </p:nvCxnSpPr>
+        <p:spPr>
+          <a:xfrm>
+            <a:off x="1260762" y="2570017"/>
+            <a:ext cx="529240" cy="0"/>
+          </a:xfrm>
+          <a:prstGeom prst="straightConnector1">
+            <a:avLst/>
+          </a:prstGeom>
+          <a:ln w="76200">
+            <a:solidFill>
+              <a:srgbClr val="FF0000"/>
+            </a:solidFill>
+            <a:tailEnd type="triangle"/>
+          </a:ln>
+        </p:spPr>
+        <p:style>
+          <a:lnRef idx="1">
+            <a:schemeClr val="accent2"/>
+          </a:lnRef>
+          <a:fillRef idx="0">
+            <a:schemeClr val="accent2"/>
+          </a:fillRef>
+          <a:effectRef idx="0">
+            <a:schemeClr val="accent2"/>
+          </a:effectRef>
+          <a:fontRef idx="minor">
+            <a:schemeClr val="tx1"/>
+          </a:fontRef>
+        </p:style>
+      </p:cxnSp>
+      <p:cxnSp>
+        <p:nvCxnSpPr>
+          <p:cNvPr id="33" name="Straight Connector 32">
+            <a:extLst>
+              <a:ext uri="{FF2B5EF4-FFF2-40B4-BE49-F238E27FC236}">
+                <a16:creationId xmlns:a16="http://schemas.microsoft.com/office/drawing/2014/main" id="{284FEF89-0629-4D78-A5E1-57F37DD97B65}"/>
+              </a:ext>
+            </a:extLst>
+          </p:cNvPr>
+          <p:cNvCxnSpPr>
+            <a:cxnSpLocks/>
+          </p:cNvCxnSpPr>
+          <p:nvPr/>
+        </p:nvCxnSpPr>
+        <p:spPr>
+          <a:xfrm>
+            <a:off x="1260762" y="2537568"/>
+            <a:ext cx="0" cy="2832454"/>
+          </a:xfrm>
+          <a:prstGeom prst="line">
+            <a:avLst/>
+          </a:prstGeom>
+          <a:ln w="76200">
+            <a:solidFill>
+              <a:srgbClr val="FF0000"/>
+            </a:solidFill>
+          </a:ln>
+        </p:spPr>
+        <p:style>
+          <a:lnRef idx="1">
+            <a:schemeClr val="accent1"/>
+          </a:lnRef>
+          <a:fillRef idx="0">
+            <a:schemeClr val="accent1"/>
+          </a:fillRef>
+          <a:effectRef idx="0">
+            <a:schemeClr val="accent1"/>
+          </a:effectRef>
+          <a:fontRef idx="minor">
+            <a:schemeClr val="tx1"/>
+          </a:fontRef>
+        </p:style>
+      </p:cxnSp>
+      <p:cxnSp>
+        <p:nvCxnSpPr>
+          <p:cNvPr id="35" name="Straight Connector 34">
+            <a:extLst>
+              <a:ext uri="{FF2B5EF4-FFF2-40B4-BE49-F238E27FC236}">
+                <a16:creationId xmlns:a16="http://schemas.microsoft.com/office/drawing/2014/main" id="{325C0D30-6155-426F-BD79-BDD2B32B118E}"/>
+              </a:ext>
+            </a:extLst>
+          </p:cNvPr>
+          <p:cNvCxnSpPr>
+            <a:cxnSpLocks/>
+          </p:cNvCxnSpPr>
+          <p:nvPr/>
+        </p:nvCxnSpPr>
+        <p:spPr>
+          <a:xfrm flipH="1">
+            <a:off x="1223351" y="5370022"/>
+            <a:ext cx="490453" cy="0"/>
+          </a:xfrm>
+          <a:prstGeom prst="line">
+            <a:avLst/>
+          </a:prstGeom>
+          <a:ln w="76200">
+            <a:solidFill>
+              <a:srgbClr val="FF0000"/>
+            </a:solidFill>
+          </a:ln>
+        </p:spPr>
+        <p:style>
+          <a:lnRef idx="1">
+            <a:schemeClr val="accent1"/>
+          </a:lnRef>
+          <a:fillRef idx="0">
+            <a:schemeClr val="accent1"/>
+          </a:fillRef>
+          <a:effectRef idx="0">
+            <a:schemeClr val="accent1"/>
+          </a:effectRef>
+          <a:fontRef idx="minor">
+            <a:schemeClr val="tx1"/>
+          </a:fontRef>
+        </p:style>
+      </p:cxnSp>
+      <p:cxnSp>
+        <p:nvCxnSpPr>
+          <p:cNvPr id="37" name="Straight Arrow Connector 36">
+            <a:extLst>
+              <a:ext uri="{FF2B5EF4-FFF2-40B4-BE49-F238E27FC236}">
+                <a16:creationId xmlns:a16="http://schemas.microsoft.com/office/drawing/2014/main" id="{F367C624-AF4D-4ABE-B961-3EC67ECD2167}"/>
+              </a:ext>
+            </a:extLst>
+          </p:cNvPr>
+          <p:cNvCxnSpPr/>
+          <p:nvPr/>
+        </p:nvCxnSpPr>
+        <p:spPr>
+          <a:xfrm>
+            <a:off x="3302923" y="4670583"/>
+            <a:ext cx="0" cy="412866"/>
+          </a:xfrm>
+          <a:prstGeom prst="straightConnector1">
+            <a:avLst/>
+          </a:prstGeom>
+          <a:ln w="76200">
+            <a:solidFill>
+              <a:srgbClr val="FF0000"/>
+            </a:solidFill>
+            <a:tailEnd type="triangle"/>
+          </a:ln>
+        </p:spPr>
+        <p:style>
+          <a:lnRef idx="1">
+            <a:schemeClr val="accent2"/>
+          </a:lnRef>
+          <a:fillRef idx="0">
+            <a:schemeClr val="accent2"/>
+          </a:fillRef>
+          <a:effectRef idx="0">
+            <a:schemeClr val="accent2"/>
+          </a:effectRef>
+          <a:fontRef idx="minor">
+            <a:schemeClr val="tx1"/>
+          </a:fontRef>
+        </p:style>
+      </p:cxnSp>
+      <p:sp>
+        <p:nvSpPr>
+          <p:cNvPr id="38" name="TextBox 37">
+            <a:extLst>
+              <a:ext uri="{FF2B5EF4-FFF2-40B4-BE49-F238E27FC236}">
+                <a16:creationId xmlns:a16="http://schemas.microsoft.com/office/drawing/2014/main" id="{21887B76-BD58-43DF-8E56-4A918B2DB2ED}"/>
+              </a:ext>
+            </a:extLst>
+          </p:cNvPr>
+          <p:cNvSpPr txBox="1"/>
+          <p:nvPr/>
+        </p:nvSpPr>
+        <p:spPr>
+          <a:xfrm>
+            <a:off x="2608119" y="4663348"/>
+            <a:ext cx="739829" cy="369332"/>
+          </a:xfrm>
+          <a:prstGeom prst="rect">
+            <a:avLst/>
+          </a:prstGeom>
+          <a:noFill/>
+        </p:spPr>
+        <p:txBody>
+          <a:bodyPr wrap="square" rtlCol="0">
+            <a:spAutoFit/>
+          </a:bodyPr>
+          <a:lstStyle/>
+          <a:p>
+            <a:r>
+              <a:rPr lang="en-US" dirty="0">
+                <a:latin typeface="Agency FB" panose="020B0503020202020204" pitchFamily="34" charset="0"/>
+              </a:rPr>
+              <a:t>True</a:t>
+            </a:r>
+          </a:p>
+        </p:txBody>
+      </p:sp>
+    </p:spTree>
+    <p:extLst>
+      <p:ext uri="{BB962C8B-B14F-4D97-AF65-F5344CB8AC3E}">
+        <p14:creationId xmlns:p14="http://schemas.microsoft.com/office/powerpoint/2010/main" val="2167225035"/>
       </p:ext>
     </p:extLst>
   </p:cSld>

--- a/Python summer camp-section2.pptx
+++ b/Python summer camp-section2.pptx
@@ -5,7 +5,7 @@
     <p:sldMasterId id="2147483648" r:id="rId1"/>
   </p:sldMasterIdLst>
   <p:notesMasterIdLst>
-    <p:notesMasterId r:id="rId34"/>
+    <p:notesMasterId r:id="rId36"/>
   </p:notesMasterIdLst>
   <p:sldIdLst>
     <p:sldId id="256" r:id="rId2"/>
@@ -40,6 +40,8 @@
     <p:sldId id="289" r:id="rId31"/>
     <p:sldId id="291" r:id="rId32"/>
     <p:sldId id="292" r:id="rId33"/>
+    <p:sldId id="293" r:id="rId34"/>
+    <p:sldId id="294" r:id="rId35"/>
   </p:sldIdLst>
   <p:sldSz cx="12192000" cy="6858000"/>
   <p:notesSz cx="6858000" cy="9144000"/>
@@ -179,6 +181,8 @@
             <p14:sldId id="289"/>
             <p14:sldId id="291"/>
             <p14:sldId id="292"/>
+            <p14:sldId id="293"/>
+            <p14:sldId id="294"/>
           </p14:sldIdLst>
         </p14:section>
       </p14:sectionLst>
@@ -298,7 +302,7 @@
           <a:p>
             <a:fld id="{A02EE32F-63C6-428F-8686-9C42FAFA1F27}" type="datetimeFigureOut">
               <a:rPr lang="en-US" smtClean="0"/>
-              <a:t>7/29/2020</a:t>
+              <a:t>8/12/2020</a:t>
             </a:fld>
             <a:endParaRPr lang="en-US"/>
           </a:p>
@@ -920,7 +924,7 @@
           <a:p>
             <a:fld id="{9CD4FB3B-D271-47C4-8DEB-FC056B76C3B0}" type="datetimeFigureOut">
               <a:rPr lang="en-US" smtClean="0"/>
-              <a:t>7/29/2020</a:t>
+              <a:t>8/12/2020</a:t>
             </a:fld>
             <a:endParaRPr lang="en-US"/>
           </a:p>
@@ -1118,7 +1122,7 @@
           <a:p>
             <a:fld id="{9CD4FB3B-D271-47C4-8DEB-FC056B76C3B0}" type="datetimeFigureOut">
               <a:rPr lang="en-US" smtClean="0"/>
-              <a:t>7/29/2020</a:t>
+              <a:t>8/12/2020</a:t>
             </a:fld>
             <a:endParaRPr lang="en-US"/>
           </a:p>
@@ -1326,7 +1330,7 @@
           <a:p>
             <a:fld id="{9CD4FB3B-D271-47C4-8DEB-FC056B76C3B0}" type="datetimeFigureOut">
               <a:rPr lang="en-US" smtClean="0"/>
-              <a:t>7/29/2020</a:t>
+              <a:t>8/12/2020</a:t>
             </a:fld>
             <a:endParaRPr lang="en-US"/>
           </a:p>
@@ -1982,7 +1986,7 @@
           <a:p>
             <a:fld id="{9CD4FB3B-D271-47C4-8DEB-FC056B76C3B0}" type="datetimeFigureOut">
               <a:rPr lang="en-US" smtClean="0"/>
-              <a:t>7/29/2020</a:t>
+              <a:t>8/12/2020</a:t>
             </a:fld>
             <a:endParaRPr lang="en-US"/>
           </a:p>
@@ -2257,7 +2261,7 @@
           <a:p>
             <a:fld id="{9CD4FB3B-D271-47C4-8DEB-FC056B76C3B0}" type="datetimeFigureOut">
               <a:rPr lang="en-US" smtClean="0"/>
-              <a:t>7/29/2020</a:t>
+              <a:t>8/12/2020</a:t>
             </a:fld>
             <a:endParaRPr lang="en-US"/>
           </a:p>
@@ -2522,7 +2526,7 @@
           <a:p>
             <a:fld id="{9CD4FB3B-D271-47C4-8DEB-FC056B76C3B0}" type="datetimeFigureOut">
               <a:rPr lang="en-US" smtClean="0"/>
-              <a:t>7/29/2020</a:t>
+              <a:t>8/12/2020</a:t>
             </a:fld>
             <a:endParaRPr lang="en-US"/>
           </a:p>
@@ -2934,7 +2938,7 @@
           <a:p>
             <a:fld id="{9CD4FB3B-D271-47C4-8DEB-FC056B76C3B0}" type="datetimeFigureOut">
               <a:rPr lang="en-US" smtClean="0"/>
-              <a:t>7/29/2020</a:t>
+              <a:t>8/12/2020</a:t>
             </a:fld>
             <a:endParaRPr lang="en-US"/>
           </a:p>
@@ -3075,7 +3079,7 @@
           <a:p>
             <a:fld id="{9CD4FB3B-D271-47C4-8DEB-FC056B76C3B0}" type="datetimeFigureOut">
               <a:rPr lang="en-US" smtClean="0"/>
-              <a:t>7/29/2020</a:t>
+              <a:t>8/12/2020</a:t>
             </a:fld>
             <a:endParaRPr lang="en-US"/>
           </a:p>
@@ -3188,7 +3192,7 @@
           <a:p>
             <a:fld id="{9CD4FB3B-D271-47C4-8DEB-FC056B76C3B0}" type="datetimeFigureOut">
               <a:rPr lang="en-US" smtClean="0"/>
-              <a:t>7/29/2020</a:t>
+              <a:t>8/12/2020</a:t>
             </a:fld>
             <a:endParaRPr lang="en-US"/>
           </a:p>
@@ -3499,7 +3503,7 @@
           <a:p>
             <a:fld id="{9CD4FB3B-D271-47C4-8DEB-FC056B76C3B0}" type="datetimeFigureOut">
               <a:rPr lang="en-US" smtClean="0"/>
-              <a:t>7/29/2020</a:t>
+              <a:t>8/12/2020</a:t>
             </a:fld>
             <a:endParaRPr lang="en-US"/>
           </a:p>
@@ -3787,7 +3791,7 @@
           <a:p>
             <a:fld id="{9CD4FB3B-D271-47C4-8DEB-FC056B76C3B0}" type="datetimeFigureOut">
               <a:rPr lang="en-US" smtClean="0"/>
-              <a:t>7/29/2020</a:t>
+              <a:t>8/12/2020</a:t>
             </a:fld>
             <a:endParaRPr lang="en-US"/>
           </a:p>
@@ -4028,7 +4032,7 @@
           <a:p>
             <a:fld id="{9CD4FB3B-D271-47C4-8DEB-FC056B76C3B0}" type="datetimeFigureOut">
               <a:rPr lang="en-US" smtClean="0"/>
-              <a:t>7/29/2020</a:t>
+              <a:t>8/12/2020</a:t>
             </a:fld>
             <a:endParaRPr lang="en-US"/>
           </a:p>
@@ -8188,7 +8192,7 @@
               <a:rPr lang="en-US" dirty="0">
                 <a:latin typeface="Agency FB" panose="020B0503020202020204" pitchFamily="34" charset="0"/>
               </a:rPr>
-              <a:t>Recap: 12 big ideas we learned so far</a:t>
+              <a:t>Recap: 13 big ideas we learned so far</a:t>
             </a:r>
           </a:p>
         </p:txBody>
@@ -8217,7 +8221,7 @@
         </p:spPr>
         <p:txBody>
           <a:bodyPr>
-            <a:normAutofit fontScale="77500" lnSpcReduction="20000"/>
+            <a:normAutofit fontScale="62500" lnSpcReduction="20000"/>
           </a:bodyPr>
           <a:lstStyle/>
           <a:p>
@@ -8370,6 +8374,17 @@
                 <a:latin typeface="Agency FB" panose="020B0503020202020204" pitchFamily="34" charset="0"/>
               </a:rPr>
               <a:t>Code based on conditions</a:t>
+            </a:r>
+          </a:p>
+          <a:p>
+            <a:r>
+              <a:rPr lang="en-US" dirty="0">
+                <a:solidFill>
+                  <a:srgbClr val="FF0000"/>
+                </a:solidFill>
+                <a:latin typeface="Agency FB" panose="020B0503020202020204" pitchFamily="34" charset="0"/>
+              </a:rPr>
+              <a:t>Conditional Loop.</a:t>
             </a:r>
           </a:p>
           <a:p>
@@ -14144,6 +14159,344 @@
     <p:extLst>
       <p:ext uri="{BB962C8B-B14F-4D97-AF65-F5344CB8AC3E}">
         <p14:creationId xmlns:p14="http://schemas.microsoft.com/office/powerpoint/2010/main" val="2167225035"/>
+      </p:ext>
+    </p:extLst>
+  </p:cSld>
+  <p:clrMapOvr>
+    <a:masterClrMapping/>
+  </p:clrMapOvr>
+</p:sld>
+</file>
+
+<file path=ppt/slides/slide33.xml><?xml version="1.0" encoding="utf-8"?>
+<p:sld xmlns:a="http://schemas.openxmlformats.org/drawingml/2006/main" xmlns:r="http://schemas.openxmlformats.org/officeDocument/2006/relationships" xmlns:p="http://schemas.openxmlformats.org/presentationml/2006/main">
+  <p:cSld>
+    <p:spTree>
+      <p:nvGrpSpPr>
+        <p:cNvPr id="1" name=""/>
+        <p:cNvGrpSpPr/>
+        <p:nvPr/>
+      </p:nvGrpSpPr>
+      <p:grpSpPr>
+        <a:xfrm>
+          <a:off x="0" y="0"/>
+          <a:ext cx="0" cy="0"/>
+          <a:chOff x="0" y="0"/>
+          <a:chExt cx="0" cy="0"/>
+        </a:xfrm>
+      </p:grpSpPr>
+      <p:sp>
+        <p:nvSpPr>
+          <p:cNvPr id="2" name="Title 1">
+            <a:extLst>
+              <a:ext uri="{FF2B5EF4-FFF2-40B4-BE49-F238E27FC236}">
+                <a16:creationId xmlns:a16="http://schemas.microsoft.com/office/drawing/2014/main" id="{91C5A437-120D-425C-9ABA-851FF206CE8A}"/>
+              </a:ext>
+            </a:extLst>
+          </p:cNvPr>
+          <p:cNvSpPr>
+            <a:spLocks noGrp="1"/>
+          </p:cNvSpPr>
+          <p:nvPr>
+            <p:ph type="title"/>
+          </p:nvPr>
+        </p:nvSpPr>
+        <p:spPr/>
+        <p:txBody>
+          <a:bodyPr/>
+          <a:lstStyle/>
+          <a:p>
+            <a:r>
+              <a:rPr lang="en-US" dirty="0">
+                <a:solidFill>
+                  <a:srgbClr val="00B050"/>
+                </a:solidFill>
+                <a:latin typeface="Agency FB" panose="020B0503020202020204" pitchFamily="34" charset="0"/>
+              </a:rPr>
+              <a:t>Big ideas for today</a:t>
+            </a:r>
+          </a:p>
+        </p:txBody>
+      </p:sp>
+      <p:sp>
+        <p:nvSpPr>
+          <p:cNvPr id="3" name="Text Placeholder 2">
+            <a:extLst>
+              <a:ext uri="{FF2B5EF4-FFF2-40B4-BE49-F238E27FC236}">
+                <a16:creationId xmlns:a16="http://schemas.microsoft.com/office/drawing/2014/main" id="{15F6E109-2F9F-4A33-8EE9-84346E1AC578}"/>
+              </a:ext>
+            </a:extLst>
+          </p:cNvPr>
+          <p:cNvSpPr>
+            <a:spLocks noGrp="1"/>
+          </p:cNvSpPr>
+          <p:nvPr>
+            <p:ph type="body" idx="1"/>
+          </p:nvPr>
+        </p:nvSpPr>
+        <p:spPr>
+          <a:xfrm>
+            <a:off x="1563746" y="1232601"/>
+            <a:ext cx="9385200" cy="3881600"/>
+          </a:xfrm>
+        </p:spPr>
+        <p:txBody>
+          <a:bodyPr/>
+          <a:lstStyle/>
+          <a:p>
+            <a:r>
+              <a:rPr lang="en-US" dirty="0">
+                <a:solidFill>
+                  <a:srgbClr val="FFC000"/>
+                </a:solidFill>
+                <a:latin typeface="Agency FB" panose="020B0503020202020204" pitchFamily="34" charset="0"/>
+              </a:rPr>
+              <a:t>Big idea: random !</a:t>
+            </a:r>
+          </a:p>
+          <a:p>
+            <a:r>
+              <a:rPr lang="en-US" dirty="0">
+                <a:solidFill>
+                  <a:srgbClr val="CC0000"/>
+                </a:solidFill>
+                <a:latin typeface="Agency FB" panose="020B0503020202020204" pitchFamily="34" charset="0"/>
+              </a:rPr>
+              <a:t>Big idea: python list function: append and sum.</a:t>
+            </a:r>
+          </a:p>
+          <a:p>
+            <a:r>
+              <a:rPr lang="en-US" dirty="0">
+                <a:solidFill>
+                  <a:srgbClr val="00B050"/>
+                </a:solidFill>
+                <a:latin typeface="Agency FB" panose="020B0503020202020204" pitchFamily="34" charset="0"/>
+              </a:rPr>
+              <a:t>Big idea: return vs print</a:t>
+            </a:r>
+          </a:p>
+          <a:p>
+            <a:endParaRPr lang="en-US" dirty="0">
+              <a:solidFill>
+                <a:srgbClr val="00B050"/>
+              </a:solidFill>
+              <a:latin typeface="Agency FB" panose="020B0503020202020204" pitchFamily="34" charset="0"/>
+            </a:endParaRPr>
+          </a:p>
+          <a:p>
+            <a:r>
+              <a:rPr lang="en-US" dirty="0">
+                <a:solidFill>
+                  <a:srgbClr val="00B050"/>
+                </a:solidFill>
+                <a:latin typeface="Agency FB" panose="020B0503020202020204" pitchFamily="34" charset="0"/>
+              </a:rPr>
+              <a:t>1 dice</a:t>
+            </a:r>
+            <a:r>
+              <a:rPr lang="en-US" dirty="0">
+                <a:solidFill>
+                  <a:srgbClr val="00B050"/>
+                </a:solidFill>
+                <a:latin typeface="Agency FB" panose="020B0503020202020204" pitchFamily="34" charset="0"/>
+                <a:sym typeface="Wingdings" panose="05000000000000000000" pitchFamily="2" charset="2"/>
+              </a:rPr>
+              <a:t> roll it once generate a random number</a:t>
+            </a:r>
+          </a:p>
+          <a:p>
+            <a:r>
+              <a:rPr lang="en-US" dirty="0">
+                <a:solidFill>
+                  <a:srgbClr val="00B050"/>
+                </a:solidFill>
+                <a:latin typeface="Agency FB" panose="020B0503020202020204" pitchFamily="34" charset="0"/>
+                <a:sym typeface="Wingdings" panose="05000000000000000000" pitchFamily="2" charset="2"/>
+              </a:rPr>
+              <a:t>Me : 3 dice roll it once. 3 random number [3,6,4]</a:t>
+            </a:r>
+          </a:p>
+          <a:p>
+            <a:r>
+              <a:rPr lang="en-US" dirty="0">
+                <a:solidFill>
+                  <a:srgbClr val="00B050"/>
+                </a:solidFill>
+                <a:latin typeface="Agency FB" panose="020B0503020202020204" pitchFamily="34" charset="0"/>
+                <a:sym typeface="Wingdings" panose="05000000000000000000" pitchFamily="2" charset="2"/>
+              </a:rPr>
+              <a:t>Computer: 3 dice roll it once  3 random number [1,1,2]</a:t>
+            </a:r>
+          </a:p>
+          <a:p>
+            <a:endParaRPr lang="en-US" dirty="0">
+              <a:solidFill>
+                <a:srgbClr val="00B050"/>
+              </a:solidFill>
+              <a:latin typeface="Agency FB" panose="020B0503020202020204" pitchFamily="34" charset="0"/>
+              <a:sym typeface="Wingdings" panose="05000000000000000000" pitchFamily="2" charset="2"/>
+            </a:endParaRPr>
+          </a:p>
+          <a:p>
+            <a:r>
+              <a:rPr lang="en-US" dirty="0">
+                <a:solidFill>
+                  <a:srgbClr val="00B050"/>
+                </a:solidFill>
+                <a:latin typeface="Agency FB" panose="020B0503020202020204" pitchFamily="34" charset="0"/>
+                <a:sym typeface="Wingdings" panose="05000000000000000000" pitchFamily="2" charset="2"/>
+              </a:rPr>
+              <a:t>Me: 3+6+4=13</a:t>
+            </a:r>
+          </a:p>
+          <a:p>
+            <a:r>
+              <a:rPr lang="en-US" dirty="0">
+                <a:solidFill>
+                  <a:srgbClr val="00B050"/>
+                </a:solidFill>
+                <a:latin typeface="Agency FB" panose="020B0503020202020204" pitchFamily="34" charset="0"/>
+                <a:sym typeface="Wingdings" panose="05000000000000000000" pitchFamily="2" charset="2"/>
+              </a:rPr>
+              <a:t>Computer: 1+1+2=4 </a:t>
+            </a:r>
+          </a:p>
+          <a:p>
+            <a:r>
+              <a:rPr lang="en-US" dirty="0">
+                <a:solidFill>
+                  <a:srgbClr val="00B050"/>
+                </a:solidFill>
+                <a:latin typeface="Agency FB" panose="020B0503020202020204" pitchFamily="34" charset="0"/>
+                <a:sym typeface="Wingdings" panose="05000000000000000000" pitchFamily="2" charset="2"/>
+              </a:rPr>
+              <a:t>My number&gt; Computer’s  You win!</a:t>
+            </a:r>
+          </a:p>
+          <a:p>
+            <a:r>
+              <a:rPr lang="en-US" dirty="0">
+                <a:solidFill>
+                  <a:srgbClr val="00B050"/>
+                </a:solidFill>
+                <a:latin typeface="Agency FB" panose="020B0503020202020204" pitchFamily="34" charset="0"/>
+                <a:sym typeface="Wingdings" panose="05000000000000000000" pitchFamily="2" charset="2"/>
+              </a:rPr>
+              <a:t>Computer’s == my number  equal number. </a:t>
+            </a:r>
+          </a:p>
+          <a:p>
+            <a:r>
+              <a:rPr lang="en-US" dirty="0">
+                <a:solidFill>
+                  <a:srgbClr val="00B050"/>
+                </a:solidFill>
+                <a:latin typeface="Agency FB" panose="020B0503020202020204" pitchFamily="34" charset="0"/>
+                <a:sym typeface="Wingdings" panose="05000000000000000000" pitchFamily="2" charset="2"/>
+              </a:rPr>
+              <a:t>Computer&gt; my  Computer win.</a:t>
+            </a:r>
+          </a:p>
+          <a:p>
+            <a:endParaRPr lang="en-US" dirty="0">
+              <a:solidFill>
+                <a:srgbClr val="00B050"/>
+              </a:solidFill>
+              <a:latin typeface="Agency FB" panose="020B0503020202020204" pitchFamily="34" charset="0"/>
+            </a:endParaRPr>
+          </a:p>
+        </p:txBody>
+      </p:sp>
+    </p:spTree>
+    <p:extLst>
+      <p:ext uri="{BB962C8B-B14F-4D97-AF65-F5344CB8AC3E}">
+        <p14:creationId xmlns:p14="http://schemas.microsoft.com/office/powerpoint/2010/main" val="3991734734"/>
+      </p:ext>
+    </p:extLst>
+  </p:cSld>
+  <p:clrMapOvr>
+    <a:masterClrMapping/>
+  </p:clrMapOvr>
+</p:sld>
+</file>
+
+<file path=ppt/slides/slide34.xml><?xml version="1.0" encoding="utf-8"?>
+<p:sld xmlns:a="http://schemas.openxmlformats.org/drawingml/2006/main" xmlns:r="http://schemas.openxmlformats.org/officeDocument/2006/relationships" xmlns:p="http://schemas.openxmlformats.org/presentationml/2006/main">
+  <p:cSld>
+    <p:spTree>
+      <p:nvGrpSpPr>
+        <p:cNvPr id="1" name=""/>
+        <p:cNvGrpSpPr/>
+        <p:nvPr/>
+      </p:nvGrpSpPr>
+      <p:grpSpPr>
+        <a:xfrm>
+          <a:off x="0" y="0"/>
+          <a:ext cx="0" cy="0"/>
+          <a:chOff x="0" y="0"/>
+          <a:chExt cx="0" cy="0"/>
+        </a:xfrm>
+      </p:grpSpPr>
+      <p:sp>
+        <p:nvSpPr>
+          <p:cNvPr id="2" name="Title 1">
+            <a:extLst>
+              <a:ext uri="{FF2B5EF4-FFF2-40B4-BE49-F238E27FC236}">
+                <a16:creationId xmlns:a16="http://schemas.microsoft.com/office/drawing/2014/main" id="{D8FFF1EB-7B08-404B-B3E9-8399B1A21EDB}"/>
+              </a:ext>
+            </a:extLst>
+          </p:cNvPr>
+          <p:cNvSpPr>
+            <a:spLocks noGrp="1"/>
+          </p:cNvSpPr>
+          <p:nvPr>
+            <p:ph type="title"/>
+          </p:nvPr>
+        </p:nvSpPr>
+        <p:spPr/>
+        <p:txBody>
+          <a:bodyPr/>
+          <a:lstStyle/>
+          <a:p>
+            <a:endParaRPr lang="en-US"/>
+          </a:p>
+        </p:txBody>
+      </p:sp>
+      <p:pic>
+        <p:nvPicPr>
+          <p:cNvPr id="5" name="Picture 4">
+            <a:extLst>
+              <a:ext uri="{FF2B5EF4-FFF2-40B4-BE49-F238E27FC236}">
+                <a16:creationId xmlns:a16="http://schemas.microsoft.com/office/drawing/2014/main" id="{9D092FEC-1D7D-4E5B-AA0A-440B86DB635E}"/>
+              </a:ext>
+            </a:extLst>
+          </p:cNvPr>
+          <p:cNvPicPr>
+            <a:picLocks noChangeAspect="1"/>
+          </p:cNvPicPr>
+          <p:nvPr/>
+        </p:nvPicPr>
+        <p:blipFill>
+          <a:blip r:embed="rId2"/>
+          <a:stretch>
+            <a:fillRect/>
+          </a:stretch>
+        </p:blipFill>
+        <p:spPr>
+          <a:xfrm>
+            <a:off x="1076800" y="457201"/>
+            <a:ext cx="10401114" cy="5563606"/>
+          </a:xfrm>
+          <a:prstGeom prst="rect">
+            <a:avLst/>
+          </a:prstGeom>
+        </p:spPr>
+      </p:pic>
+    </p:spTree>
+    <p:extLst>
+      <p:ext uri="{BB962C8B-B14F-4D97-AF65-F5344CB8AC3E}">
+        <p14:creationId xmlns:p14="http://schemas.microsoft.com/office/powerpoint/2010/main" val="1497895906"/>
       </p:ext>
     </p:extLst>
   </p:cSld>
